--- a/Admimistatif/Presentation.pptx
+++ b/Admimistatif/Presentation.pptx
@@ -5,16 +5,19 @@
     <p:sldMasterId id="2147483660" r:id="rId1"/>
   </p:sldMasterIdLst>
   <p:notesMasterIdLst>
-    <p:notesMasterId r:id="rId9"/>
+    <p:notesMasterId r:id="rId12"/>
   </p:notesMasterIdLst>
   <p:sldIdLst>
     <p:sldId id="256" r:id="rId2"/>
     <p:sldId id="257" r:id="rId3"/>
     <p:sldId id="266" r:id="rId4"/>
-    <p:sldId id="264" r:id="rId5"/>
-    <p:sldId id="265" r:id="rId6"/>
-    <p:sldId id="262" r:id="rId7"/>
-    <p:sldId id="263" r:id="rId8"/>
+    <p:sldId id="267" r:id="rId5"/>
+    <p:sldId id="268" r:id="rId6"/>
+    <p:sldId id="269" r:id="rId7"/>
+    <p:sldId id="264" r:id="rId8"/>
+    <p:sldId id="265" r:id="rId9"/>
+    <p:sldId id="262" r:id="rId10"/>
+    <p:sldId id="263" r:id="rId11"/>
   </p:sldIdLst>
   <p:sldSz cx="9144000" cy="6858000" type="screen4x3"/>
   <p:notesSz cx="6858000" cy="9144000"/>
@@ -612,9 +615,135 @@
           <a:p>
             <a:r>
               <a:rPr lang="fr-CH" dirty="0" smtClean="0"/>
-              <a:t>Cahier des charges</a:t>
+              <a:t>Idée de base</a:t>
+            </a:r>
+            <a:r>
+              <a:rPr lang="fr-CH" baseline="0" dirty="0" smtClean="0"/>
+              <a:t> =&gt; faire un jeu de </a:t>
+            </a:r>
+            <a:r>
+              <a:rPr lang="fr-CH" baseline="0" dirty="0" err="1" smtClean="0"/>
+              <a:t>plateform</a:t>
+            </a:r>
+            <a:r>
+              <a:rPr lang="fr-CH" baseline="0" dirty="0" smtClean="0"/>
+              <a:t> en 2d</a:t>
+            </a:r>
+            <a:endParaRPr lang="fr-CH" dirty="0" smtClean="0"/>
+          </a:p>
+          <a:p>
+            <a:endParaRPr lang="fr-CH" dirty="0" smtClean="0"/>
+          </a:p>
+          <a:p>
+            <a:r>
+              <a:rPr lang="fr-CH" dirty="0" smtClean="0"/>
+              <a:t>Cahier </a:t>
+            </a:r>
+            <a:r>
+              <a:rPr lang="fr-CH" dirty="0" smtClean="0"/>
+              <a:t>des </a:t>
+            </a:r>
+            <a:r>
+              <a:rPr lang="fr-CH" dirty="0" smtClean="0"/>
+              <a:t>charges</a:t>
             </a:r>
             <a:endParaRPr lang="fr-CH" dirty="0"/>
+          </a:p>
+          <a:p>
+            <a:pPr marL="171450" indent="-171450">
+              <a:buFontTx/>
+              <a:buChar char="-"/>
+            </a:pPr>
+            <a:r>
+              <a:rPr lang="fr-CH" baseline="0" dirty="0" smtClean="0"/>
+              <a:t>Utilisation de </a:t>
+            </a:r>
+            <a:r>
+              <a:rPr lang="fr-CH" baseline="0" dirty="0" err="1" smtClean="0"/>
+              <a:t>tiled</a:t>
+            </a:r>
+            <a:r>
+              <a:rPr lang="fr-CH" baseline="0" dirty="0" smtClean="0"/>
+              <a:t> pour les niveaux</a:t>
+            </a:r>
+          </a:p>
+          <a:p>
+            <a:pPr marL="171450" indent="-171450">
+              <a:buFontTx/>
+              <a:buChar char="-"/>
+            </a:pPr>
+            <a:r>
+              <a:rPr lang="fr-CH" baseline="0" dirty="0" err="1" smtClean="0"/>
+              <a:t>Deplacement</a:t>
+            </a:r>
+            <a:r>
+              <a:rPr lang="fr-CH" baseline="0" dirty="0" smtClean="0"/>
+              <a:t> du personnage</a:t>
+            </a:r>
+          </a:p>
+          <a:p>
+            <a:pPr marL="171450" indent="-171450">
+              <a:buFontTx/>
+              <a:buChar char="-"/>
+            </a:pPr>
+            <a:r>
+              <a:rPr lang="fr-CH" baseline="0" dirty="0" smtClean="0"/>
+              <a:t>Collisions</a:t>
+            </a:r>
+          </a:p>
+          <a:p>
+            <a:pPr marL="171450" indent="-171450">
+              <a:buFontTx/>
+              <a:buChar char="-"/>
+            </a:pPr>
+            <a:r>
+              <a:rPr lang="fr-CH" baseline="0" dirty="0" smtClean="0"/>
+              <a:t>Physique du jeu (gravité)</a:t>
+            </a:r>
+          </a:p>
+          <a:p>
+            <a:pPr marL="171450" indent="-171450">
+              <a:buFontTx/>
+              <a:buChar char="-"/>
+            </a:pPr>
+            <a:r>
+              <a:rPr lang="fr-CH" baseline="0" dirty="0" smtClean="0"/>
+              <a:t>Background avec scrolling</a:t>
+            </a:r>
+          </a:p>
+          <a:p>
+            <a:pPr marL="171450" indent="-171450">
+              <a:buFontTx/>
+              <a:buChar char="-"/>
+            </a:pPr>
+            <a:r>
+              <a:rPr lang="fr-CH" baseline="0" dirty="0" smtClean="0"/>
+              <a:t>HUD de base</a:t>
+            </a:r>
+          </a:p>
+          <a:p>
+            <a:pPr marL="171450" indent="-171450">
+              <a:buFontTx/>
+              <a:buChar char="-"/>
+            </a:pPr>
+            <a:r>
+              <a:rPr lang="fr-CH" baseline="0" dirty="0" smtClean="0"/>
+              <a:t>Animations</a:t>
+            </a:r>
+          </a:p>
+          <a:p>
+            <a:pPr marL="171450" indent="-171450">
+              <a:buFontTx/>
+              <a:buChar char="-"/>
+            </a:pPr>
+            <a:endParaRPr lang="fr-CH" baseline="0" dirty="0" smtClean="0"/>
+          </a:p>
+          <a:p>
+            <a:pPr marL="171450" indent="-171450">
+              <a:buFontTx/>
+              <a:buChar char="-"/>
+            </a:pPr>
+            <a:endParaRPr lang="fr-CH" dirty="0" smtClean="0"/>
           </a:p>
         </p:txBody>
       </p:sp>
@@ -698,6 +827,52 @@
           <a:bodyPr/>
           <a:lstStyle/>
           <a:p>
+            <a:r>
+              <a:rPr lang="fr-CH" dirty="0" smtClean="0"/>
+              <a:t> </a:t>
+            </a:r>
+            <a:r>
+              <a:rPr lang="fr-CH" dirty="0" err="1" smtClean="0"/>
+              <a:t>gameStage</a:t>
+            </a:r>
+            <a:r>
+              <a:rPr lang="fr-CH" dirty="0" smtClean="0"/>
+              <a:t> (</a:t>
+            </a:r>
+            <a:r>
+              <a:rPr lang="fr-CH" dirty="0" err="1" smtClean="0"/>
+              <a:t>scene</a:t>
+            </a:r>
+            <a:r>
+              <a:rPr lang="fr-CH" dirty="0" smtClean="0"/>
+              <a:t>)</a:t>
+            </a:r>
+            <a:r>
+              <a:rPr lang="fr-CH" baseline="0" dirty="0" smtClean="0"/>
+              <a:t> contient les </a:t>
+            </a:r>
+            <a:r>
+              <a:rPr lang="fr-CH" baseline="0" dirty="0" err="1" smtClean="0"/>
+              <a:t>elements</a:t>
+            </a:r>
+            <a:r>
+              <a:rPr lang="fr-CH" baseline="0" dirty="0" smtClean="0"/>
+              <a:t> de jeu.</a:t>
+            </a:r>
+          </a:p>
+          <a:p>
+            <a:r>
+              <a:rPr lang="fr-CH" baseline="0" dirty="0" smtClean="0"/>
+              <a:t>Deux boucles, une pour les calculs (position </a:t>
+            </a:r>
+            <a:r>
+              <a:rPr lang="fr-CH" baseline="0" dirty="0" err="1" smtClean="0"/>
+              <a:t>etc</a:t>
+            </a:r>
+            <a:r>
+              <a:rPr lang="fr-CH" baseline="0" dirty="0" smtClean="0"/>
+              <a:t>) et une pour le rendu (graphique…)</a:t>
+            </a:r>
             <a:endParaRPr lang="fr-CH" dirty="0"/>
           </a:p>
         </p:txBody>
@@ -719,7 +894,7 @@
           <a:p>
             <a:fld id="{1723C952-8087-44AE-BD64-9C59D2DE6B24}" type="slidenum">
               <a:rPr lang="fr-CH" smtClean="0"/>
-              <a:t>4</a:t>
+              <a:t>5</a:t>
             </a:fld>
             <a:endParaRPr lang="fr-CH"/>
           </a:p>
@@ -728,7 +903,7 @@
     </p:spTree>
     <p:extLst>
       <p:ext uri="{BB962C8B-B14F-4D97-AF65-F5344CB8AC3E}">
-        <p14:creationId xmlns:p14="http://schemas.microsoft.com/office/powerpoint/2010/main" val="1908207213"/>
+        <p14:creationId xmlns:p14="http://schemas.microsoft.com/office/powerpoint/2010/main" val="1514482810"/>
       </p:ext>
     </p:extLst>
   </p:cSld>
@@ -782,6 +957,24 @@
           <a:bodyPr/>
           <a:lstStyle/>
           <a:p>
+            <a:r>
+              <a:rPr lang="fr-CH" dirty="0" err="1" smtClean="0"/>
+              <a:t>Ghosts</a:t>
+            </a:r>
+            <a:r>
+              <a:rPr lang="fr-CH" dirty="0" smtClean="0"/>
+              <a:t> </a:t>
+            </a:r>
+            <a:r>
+              <a:rPr lang="fr-CH" dirty="0" err="1" smtClean="0"/>
+              <a:t>vertices</a:t>
+            </a:r>
+            <a:r>
+              <a:rPr lang="fr-CH" dirty="0" smtClean="0"/>
+              <a:t>?</a:t>
+            </a:r>
+          </a:p>
+          <a:p>
             <a:endParaRPr lang="fr-CH" dirty="0"/>
           </a:p>
         </p:txBody>
@@ -804,6 +997,174 @@
             <a:fld id="{1723C952-8087-44AE-BD64-9C59D2DE6B24}" type="slidenum">
               <a:rPr lang="fr-CH" smtClean="0"/>
               <a:t>6</a:t>
+            </a:fld>
+            <a:endParaRPr lang="fr-CH"/>
+          </a:p>
+        </p:txBody>
+      </p:sp>
+    </p:spTree>
+    <p:extLst>
+      <p:ext uri="{BB962C8B-B14F-4D97-AF65-F5344CB8AC3E}">
+        <p14:creationId xmlns:p14="http://schemas.microsoft.com/office/powerpoint/2010/main" val="3408218110"/>
+      </p:ext>
+    </p:extLst>
+  </p:cSld>
+  <p:clrMapOvr>
+    <a:masterClrMapping/>
+  </p:clrMapOvr>
+</p:notes>
+</file>
+
+<file path=ppt/notesSlides/notesSlide5.xml><?xml version="1.0" encoding="utf-8"?>
+<p:notes xmlns:a="http://schemas.openxmlformats.org/drawingml/2006/main" xmlns:r="http://schemas.openxmlformats.org/officeDocument/2006/relationships" xmlns:p="http://schemas.openxmlformats.org/presentationml/2006/main">
+  <p:cSld>
+    <p:spTree>
+      <p:nvGrpSpPr>
+        <p:cNvPr id="1" name=""/>
+        <p:cNvGrpSpPr/>
+        <p:nvPr/>
+      </p:nvGrpSpPr>
+      <p:grpSpPr>
+        <a:xfrm>
+          <a:off x="0" y="0"/>
+          <a:ext cx="0" cy="0"/>
+          <a:chOff x="0" y="0"/>
+          <a:chExt cx="0" cy="0"/>
+        </a:xfrm>
+      </p:grpSpPr>
+      <p:sp>
+        <p:nvSpPr>
+          <p:cNvPr id="2" name="Espace réservé de l'image des diapositives 1"/>
+          <p:cNvSpPr>
+            <a:spLocks noGrp="1" noRot="1" noChangeAspect="1"/>
+          </p:cNvSpPr>
+          <p:nvPr>
+            <p:ph type="sldImg"/>
+          </p:nvPr>
+        </p:nvSpPr>
+        <p:spPr/>
+      </p:sp>
+      <p:sp>
+        <p:nvSpPr>
+          <p:cNvPr id="3" name="Espace réservé des commentaires 2"/>
+          <p:cNvSpPr>
+            <a:spLocks noGrp="1"/>
+          </p:cNvSpPr>
+          <p:nvPr>
+            <p:ph type="body" idx="1"/>
+          </p:nvPr>
+        </p:nvSpPr>
+        <p:spPr/>
+        <p:txBody>
+          <a:bodyPr/>
+          <a:lstStyle/>
+          <a:p>
+            <a:endParaRPr lang="fr-CH" dirty="0"/>
+          </a:p>
+        </p:txBody>
+      </p:sp>
+      <p:sp>
+        <p:nvSpPr>
+          <p:cNvPr id="4" name="Espace réservé du numéro de diapositive 3"/>
+          <p:cNvSpPr>
+            <a:spLocks noGrp="1"/>
+          </p:cNvSpPr>
+          <p:nvPr>
+            <p:ph type="sldNum" sz="quarter" idx="10"/>
+          </p:nvPr>
+        </p:nvSpPr>
+        <p:spPr/>
+        <p:txBody>
+          <a:bodyPr/>
+          <a:lstStyle/>
+          <a:p>
+            <a:fld id="{1723C952-8087-44AE-BD64-9C59D2DE6B24}" type="slidenum">
+              <a:rPr lang="fr-CH" smtClean="0"/>
+              <a:t>7</a:t>
+            </a:fld>
+            <a:endParaRPr lang="fr-CH"/>
+          </a:p>
+        </p:txBody>
+      </p:sp>
+    </p:spTree>
+    <p:extLst>
+      <p:ext uri="{BB962C8B-B14F-4D97-AF65-F5344CB8AC3E}">
+        <p14:creationId xmlns:p14="http://schemas.microsoft.com/office/powerpoint/2010/main" val="1908207213"/>
+      </p:ext>
+    </p:extLst>
+  </p:cSld>
+  <p:clrMapOvr>
+    <a:masterClrMapping/>
+  </p:clrMapOvr>
+</p:notes>
+</file>
+
+<file path=ppt/notesSlides/notesSlide6.xml><?xml version="1.0" encoding="utf-8"?>
+<p:notes xmlns:a="http://schemas.openxmlformats.org/drawingml/2006/main" xmlns:r="http://schemas.openxmlformats.org/officeDocument/2006/relationships" xmlns:p="http://schemas.openxmlformats.org/presentationml/2006/main">
+  <p:cSld>
+    <p:spTree>
+      <p:nvGrpSpPr>
+        <p:cNvPr id="1" name=""/>
+        <p:cNvGrpSpPr/>
+        <p:nvPr/>
+      </p:nvGrpSpPr>
+      <p:grpSpPr>
+        <a:xfrm>
+          <a:off x="0" y="0"/>
+          <a:ext cx="0" cy="0"/>
+          <a:chOff x="0" y="0"/>
+          <a:chExt cx="0" cy="0"/>
+        </a:xfrm>
+      </p:grpSpPr>
+      <p:sp>
+        <p:nvSpPr>
+          <p:cNvPr id="2" name="Espace réservé de l'image des diapositives 1"/>
+          <p:cNvSpPr>
+            <a:spLocks noGrp="1" noRot="1" noChangeAspect="1"/>
+          </p:cNvSpPr>
+          <p:nvPr>
+            <p:ph type="sldImg"/>
+          </p:nvPr>
+        </p:nvSpPr>
+        <p:spPr/>
+      </p:sp>
+      <p:sp>
+        <p:nvSpPr>
+          <p:cNvPr id="3" name="Espace réservé des commentaires 2"/>
+          <p:cNvSpPr>
+            <a:spLocks noGrp="1"/>
+          </p:cNvSpPr>
+          <p:nvPr>
+            <p:ph type="body" idx="1"/>
+          </p:nvPr>
+        </p:nvSpPr>
+        <p:spPr/>
+        <p:txBody>
+          <a:bodyPr/>
+          <a:lstStyle/>
+          <a:p>
+            <a:endParaRPr lang="fr-CH" dirty="0"/>
+          </a:p>
+        </p:txBody>
+      </p:sp>
+      <p:sp>
+        <p:nvSpPr>
+          <p:cNvPr id="4" name="Espace réservé du numéro de diapositive 3"/>
+          <p:cNvSpPr>
+            <a:spLocks noGrp="1"/>
+          </p:cNvSpPr>
+          <p:nvPr>
+            <p:ph type="sldNum" sz="quarter" idx="10"/>
+          </p:nvPr>
+        </p:nvSpPr>
+        <p:spPr/>
+        <p:txBody>
+          <a:bodyPr/>
+          <a:lstStyle/>
+          <a:p>
+            <a:fld id="{1723C952-8087-44AE-BD64-9C59D2DE6B24}" type="slidenum">
+              <a:rPr lang="fr-CH" smtClean="0"/>
+              <a:t>9</a:t>
             </a:fld>
             <a:endParaRPr lang="fr-CH"/>
           </a:p>
@@ -5187,6 +5548,10 @@
           </a:bodyPr>
           <a:lstStyle/>
           <a:p>
+            <a:r>
+              <a:rPr lang="fr-CH" dirty="0" err="1" smtClean="0"/>
+              <a:t>Runner</a:t>
+            </a:r>
             <a:endParaRPr lang="fr-CH" dirty="0"/>
           </a:p>
         </p:txBody>
@@ -5214,11 +5579,7 @@
           <a:p>
             <a:r>
               <a:rPr lang="fr-CH" dirty="0" smtClean="0"/>
-              <a:t>Projet </a:t>
-            </a:r>
-            <a:r>
-              <a:rPr lang="fr-CH" dirty="0" smtClean="0"/>
-              <a:t>HES-ETE</a:t>
+              <a:t>Projet HES-ETE</a:t>
             </a:r>
             <a:endParaRPr lang="fr-CH" dirty="0"/>
           </a:p>
@@ -5287,6 +5648,95 @@
 </p:sld>
 </file>
 
+<file path=ppt/slides/slide10.xml><?xml version="1.0" encoding="utf-8"?>
+<p:sld xmlns:a="http://schemas.openxmlformats.org/drawingml/2006/main" xmlns:r="http://schemas.openxmlformats.org/officeDocument/2006/relationships" xmlns:p="http://schemas.openxmlformats.org/presentationml/2006/main">
+  <p:cSld>
+    <p:spTree>
+      <p:nvGrpSpPr>
+        <p:cNvPr id="1" name=""/>
+        <p:cNvGrpSpPr/>
+        <p:nvPr/>
+      </p:nvGrpSpPr>
+      <p:grpSpPr>
+        <a:xfrm>
+          <a:off x="0" y="0"/>
+          <a:ext cx="0" cy="0"/>
+          <a:chOff x="0" y="0"/>
+          <a:chExt cx="0" cy="0"/>
+        </a:xfrm>
+      </p:grpSpPr>
+      <p:sp>
+        <p:nvSpPr>
+          <p:cNvPr id="3" name="Titre 2"/>
+          <p:cNvSpPr>
+            <a:spLocks noGrp="1"/>
+          </p:cNvSpPr>
+          <p:nvPr>
+            <p:ph type="title"/>
+          </p:nvPr>
+        </p:nvSpPr>
+        <p:spPr/>
+        <p:txBody>
+          <a:bodyPr/>
+          <a:lstStyle/>
+          <a:p>
+            <a:r>
+              <a:rPr lang="fr-CH" dirty="0" smtClean="0"/>
+              <a:t>Questions ?</a:t>
+            </a:r>
+            <a:endParaRPr lang="fr-CH" dirty="0"/>
+          </a:p>
+        </p:txBody>
+      </p:sp>
+      <p:pic>
+        <p:nvPicPr>
+          <p:cNvPr id="6" name="Espace réservé du contenu 5"/>
+          <p:cNvPicPr>
+            <a:picLocks noGrp="1" noChangeAspect="1"/>
+          </p:cNvPicPr>
+          <p:nvPr>
+            <p:ph idx="1"/>
+          </p:nvPr>
+        </p:nvPicPr>
+        <p:blipFill>
+          <a:blip r:embed="rId2" cstate="print">
+            <a:extLst>
+              <a:ext uri="{28A0092B-C50C-407E-A947-70E740481C1C}">
+                <a14:useLocalDpi xmlns:a14="http://schemas.microsoft.com/office/drawing/2010/main" val="0"/>
+              </a:ext>
+            </a:extLst>
+          </a:blip>
+          <a:stretch>
+            <a:fillRect/>
+          </a:stretch>
+        </p:blipFill>
+        <p:spPr>
+          <a:xfrm>
+            <a:off x="3774710" y="2247900"/>
+            <a:ext cx="1594579" cy="3878263"/>
+          </a:xfrm>
+        </p:spPr>
+      </p:pic>
+    </p:spTree>
+    <p:extLst>
+      <p:ext uri="{BB962C8B-B14F-4D97-AF65-F5344CB8AC3E}">
+        <p14:creationId xmlns:p14="http://schemas.microsoft.com/office/powerpoint/2010/main" val="3407115642"/>
+      </p:ext>
+    </p:extLst>
+  </p:cSld>
+  <p:clrMapOvr>
+    <a:masterClrMapping/>
+  </p:clrMapOvr>
+  <p:timing>
+    <p:tnLst>
+      <p:par>
+        <p:cTn id="1" dur="indefinite" restart="never" nodeType="tmRoot"/>
+      </p:par>
+    </p:tnLst>
+  </p:timing>
+</p:sld>
+</file>
+
 <file path=ppt/slides/slide2.xml><?xml version="1.0" encoding="utf-8"?>
 <p:sld xmlns:a="http://schemas.openxmlformats.org/drawingml/2006/main" xmlns:r="http://schemas.openxmlformats.org/officeDocument/2006/relationships" xmlns:p="http://schemas.openxmlformats.org/presentationml/2006/main">
   <p:cSld>
@@ -5407,8 +5857,19 @@
             </a:r>
             <a:r>
               <a:rPr lang="fr-CH" dirty="0" smtClean="0"/>
-              <a:t> 2D</a:t>
-            </a:r>
+              <a:t> </a:t>
+            </a:r>
+            <a:r>
+              <a:rPr lang="fr-CH" dirty="0" smtClean="0"/>
+              <a:t>2D</a:t>
+            </a:r>
+          </a:p>
+          <a:p>
+            <a:r>
+              <a:rPr lang="fr-CH" dirty="0" err="1" smtClean="0"/>
+              <a:t>Libgdx</a:t>
+            </a:r>
+            <a:endParaRPr lang="fr-CH" dirty="0"/>
           </a:p>
         </p:txBody>
       </p:sp>
@@ -5445,6 +5906,13 @@
   <p:clrMapOvr>
     <a:masterClrMapping/>
   </p:clrMapOvr>
+  <p:timing>
+    <p:tnLst>
+      <p:par>
+        <p:cTn id="1" dur="indefinite" restart="never" nodeType="tmRoot"/>
+      </p:par>
+    </p:tnLst>
+  </p:timing>
 </p:sld>
 </file>
 
@@ -5467,55 +5935,79 @@
       </p:grpSpPr>
       <p:sp>
         <p:nvSpPr>
-          <p:cNvPr id="2" name="Espace réservé du contenu 1"/>
-          <p:cNvSpPr>
-            <a:spLocks noGrp="1"/>
-          </p:cNvSpPr>
-          <p:nvPr>
-            <p:ph idx="1"/>
-          </p:nvPr>
-        </p:nvSpPr>
-        <p:spPr>
-          <a:xfrm>
-            <a:off x="688490" y="1916832"/>
-            <a:ext cx="7745505" cy="3877815"/>
-          </a:xfrm>
-        </p:spPr>
+          <p:cNvPr id="3" name="Titre 2"/>
+          <p:cNvSpPr>
+            <a:spLocks noGrp="1"/>
+          </p:cNvSpPr>
+          <p:nvPr>
+            <p:ph type="title"/>
+          </p:nvPr>
+        </p:nvSpPr>
+        <p:spPr/>
         <p:txBody>
           <a:bodyPr/>
           <a:lstStyle/>
           <a:p>
+            <a:r>
+              <a:rPr lang="fr-CH" dirty="0" smtClean="0"/>
+              <a:t>Conception - animations</a:t>
+            </a:r>
             <a:endParaRPr lang="fr-CH" dirty="0"/>
           </a:p>
         </p:txBody>
       </p:sp>
-      <p:sp>
-        <p:nvSpPr>
-          <p:cNvPr id="3" name="Titre 2"/>
-          <p:cNvSpPr>
-            <a:spLocks noGrp="1"/>
-          </p:cNvSpPr>
-          <p:nvPr>
-            <p:ph type="title"/>
-          </p:nvPr>
-        </p:nvSpPr>
-        <p:spPr/>
-        <p:txBody>
-          <a:bodyPr/>
-          <a:lstStyle/>
-          <a:p>
-            <a:r>
-              <a:rPr lang="fr-CH" dirty="0" err="1" smtClean="0"/>
-              <a:t>Demonstration</a:t>
-            </a:r>
-            <a:endParaRPr lang="fr-CH" dirty="0"/>
-          </a:p>
-        </p:txBody>
-      </p:sp>
+      <p:pic>
+        <p:nvPicPr>
+          <p:cNvPr id="1026" name="Picture 2" descr="https://lh5.googleusercontent.com/lII7vY7WEEj2VL7n4vYeCKtykvgJgK8Ei2gnVaUR0zqYyg6tov_PZaUJqSY2aIYaghutthh4CQAXjLpIOQr6ZIdG5FW8yrG2G0woJDbYhiqSUH0r6YAVK2Ac4Ayo4_EyJcDT6ymW"/>
+          <p:cNvPicPr>
+            <a:picLocks noGrp="1" noChangeAspect="1" noChangeArrowheads="1"/>
+          </p:cNvPicPr>
+          <p:nvPr>
+            <p:ph idx="1"/>
+          </p:nvPr>
+        </p:nvPicPr>
+        <p:blipFill>
+          <a:blip r:embed="rId2">
+            <a:extLst>
+              <a:ext uri="{28A0092B-C50C-407E-A947-70E740481C1C}">
+                <a14:useLocalDpi xmlns:a14="http://schemas.microsoft.com/office/drawing/2010/main" val="0"/>
+              </a:ext>
+            </a:extLst>
+          </a:blip>
+          <a:srcRect/>
+          <a:stretch>
+            <a:fillRect/>
+          </a:stretch>
+        </p:blipFill>
+        <p:spPr bwMode="auto">
+          <a:xfrm>
+            <a:off x="155939" y="1602883"/>
+            <a:ext cx="8821363" cy="4950324"/>
+          </a:xfrm>
+          <a:prstGeom prst="rect">
+            <a:avLst/>
+          </a:prstGeom>
+          <a:noFill/>
+          <a:ln>
+            <a:solidFill>
+              <a:schemeClr val="tx1"/>
+            </a:solidFill>
+          </a:ln>
+          <a:extLst>
+            <a:ext uri="{909E8E84-426E-40DD-AFC4-6F175D3DCCD1}">
+              <a14:hiddenFill xmlns:a14="http://schemas.microsoft.com/office/drawing/2010/main">
+                <a:solidFill>
+                  <a:srgbClr val="FFFFFF"/>
+                </a:solidFill>
+              </a14:hiddenFill>
+            </a:ext>
+          </a:extLst>
+        </p:spPr>
+      </p:pic>
     </p:spTree>
     <p:extLst>
       <p:ext uri="{BB962C8B-B14F-4D97-AF65-F5344CB8AC3E}">
-        <p14:creationId xmlns:p14="http://schemas.microsoft.com/office/powerpoint/2010/main" val="2776342878"/>
+        <p14:creationId xmlns:p14="http://schemas.microsoft.com/office/powerpoint/2010/main" val="3450682301"/>
       </p:ext>
     </p:extLst>
   </p:cSld>
@@ -5564,7 +6056,7 @@
           <a:bodyPr/>
           <a:lstStyle/>
           <a:p>
-            <a:endParaRPr lang="fr-CH"/>
+            <a:endParaRPr lang="fr-CH" dirty="0"/>
           </a:p>
         </p:txBody>
       </p:sp>
@@ -5585,7 +6077,7 @@
           <a:p>
             <a:r>
               <a:rPr lang="fr-CH" dirty="0" smtClean="0"/>
-              <a:t>Organisation</a:t>
+              <a:t>Conception-Architecture</a:t>
             </a:r>
             <a:endParaRPr lang="fr-CH" dirty="0"/>
           </a:p>
@@ -5594,7 +6086,7 @@
     </p:spTree>
     <p:extLst>
       <p:ext uri="{BB962C8B-B14F-4D97-AF65-F5344CB8AC3E}">
-        <p14:creationId xmlns:p14="http://schemas.microsoft.com/office/powerpoint/2010/main" val="3285650811"/>
+        <p14:creationId xmlns:p14="http://schemas.microsoft.com/office/powerpoint/2010/main" val="452186585"/>
       </p:ext>
     </p:extLst>
   </p:cSld>
@@ -5636,6 +6128,12 @@
           <a:bodyPr/>
           <a:lstStyle/>
           <a:p>
+            <a:r>
+              <a:rPr lang="fr-CH" dirty="0" smtClean="0"/>
+              <a:t>Plusieurs formes</a:t>
+            </a:r>
+          </a:p>
+          <a:p>
             <a:endParaRPr lang="fr-CH" dirty="0"/>
           </a:p>
         </p:txBody>
@@ -5657,7 +6155,11 @@
           <a:p>
             <a:r>
               <a:rPr lang="fr-CH" dirty="0" smtClean="0"/>
-              <a:t>Améliorations possibles</a:t>
+              <a:t>Conception - </a:t>
+            </a:r>
+            <a:r>
+              <a:rPr lang="fr-CH" dirty="0" err="1" smtClean="0"/>
+              <a:t>hitBox</a:t>
             </a:r>
             <a:endParaRPr lang="fr-CH" dirty="0"/>
           </a:p>
@@ -5666,20 +6168,13 @@
     </p:spTree>
     <p:extLst>
       <p:ext uri="{BB962C8B-B14F-4D97-AF65-F5344CB8AC3E}">
-        <p14:creationId xmlns:p14="http://schemas.microsoft.com/office/powerpoint/2010/main" val="2639256084"/>
+        <p14:creationId xmlns:p14="http://schemas.microsoft.com/office/powerpoint/2010/main" val="3114375140"/>
       </p:ext>
     </p:extLst>
   </p:cSld>
   <p:clrMapOvr>
     <a:masterClrMapping/>
   </p:clrMapOvr>
-  <p:timing>
-    <p:tnLst>
-      <p:par>
-        <p:cTn id="1" dur="indefinite" restart="never" nodeType="tmRoot"/>
-      </p:par>
-    </p:tnLst>
-  </p:timing>
 </p:sld>
 </file>
 
@@ -5702,60 +6197,459 @@
       </p:grpSpPr>
       <p:sp>
         <p:nvSpPr>
-          <p:cNvPr id="3" name="Titre 2"/>
-          <p:cNvSpPr>
-            <a:spLocks noGrp="1"/>
-          </p:cNvSpPr>
-          <p:nvPr>
-            <p:ph type="title"/>
-          </p:nvPr>
-        </p:nvSpPr>
-        <p:spPr/>
+          <p:cNvPr id="2" name="Espace réservé du contenu 1"/>
+          <p:cNvSpPr>
+            <a:spLocks noGrp="1"/>
+          </p:cNvSpPr>
+          <p:nvPr>
+            <p:ph idx="1"/>
+          </p:nvPr>
+        </p:nvSpPr>
+        <p:spPr>
+          <a:xfrm>
+            <a:off x="688490" y="1916832"/>
+            <a:ext cx="7745505" cy="3877815"/>
+          </a:xfrm>
+        </p:spPr>
         <p:txBody>
           <a:bodyPr/>
           <a:lstStyle/>
           <a:p>
+            <a:endParaRPr lang="fr-CH" dirty="0"/>
+          </a:p>
+        </p:txBody>
+      </p:sp>
+      <p:sp>
+        <p:nvSpPr>
+          <p:cNvPr id="3" name="Titre 2"/>
+          <p:cNvSpPr>
+            <a:spLocks noGrp="1"/>
+          </p:cNvSpPr>
+          <p:nvPr>
+            <p:ph type="title"/>
+          </p:nvPr>
+        </p:nvSpPr>
+        <p:spPr/>
+        <p:txBody>
+          <a:bodyPr/>
+          <a:lstStyle/>
+          <a:p>
             <a:r>
               <a:rPr lang="fr-CH" dirty="0" smtClean="0"/>
-              <a:t>Questions ?</a:t>
+              <a:t>Démonstration</a:t>
             </a:r>
             <a:endParaRPr lang="fr-CH" dirty="0"/>
           </a:p>
         </p:txBody>
       </p:sp>
-      <p:pic>
-        <p:nvPicPr>
-          <p:cNvPr id="6" name="Espace réservé du contenu 5"/>
-          <p:cNvPicPr>
-            <a:picLocks noGrp="1" noChangeAspect="1"/>
-          </p:cNvPicPr>
-          <p:nvPr>
-            <p:ph idx="1"/>
-          </p:nvPr>
-        </p:nvPicPr>
-        <p:blipFill>
-          <a:blip r:embed="rId2" cstate="print">
-            <a:extLst>
-              <a:ext uri="{28A0092B-C50C-407E-A947-70E740481C1C}">
-                <a14:useLocalDpi xmlns:a14="http://schemas.microsoft.com/office/drawing/2010/main" val="0"/>
-              </a:ext>
-            </a:extLst>
-          </a:blip>
-          <a:stretch>
-            <a:fillRect/>
-          </a:stretch>
-        </p:blipFill>
-        <p:spPr>
-          <a:xfrm>
-            <a:off x="3774710" y="2247900"/>
-            <a:ext cx="1594579" cy="3878263"/>
-          </a:xfrm>
-        </p:spPr>
-      </p:pic>
     </p:spTree>
     <p:extLst>
       <p:ext uri="{BB962C8B-B14F-4D97-AF65-F5344CB8AC3E}">
-        <p14:creationId xmlns:p14="http://schemas.microsoft.com/office/powerpoint/2010/main" val="3407115642"/>
+        <p14:creationId xmlns:p14="http://schemas.microsoft.com/office/powerpoint/2010/main" val="2776342878"/>
+      </p:ext>
+    </p:extLst>
+  </p:cSld>
+  <p:clrMapOvr>
+    <a:masterClrMapping/>
+  </p:clrMapOvr>
+  <p:timing>
+    <p:tnLst>
+      <p:par>
+        <p:cTn id="1" dur="indefinite" restart="never" nodeType="tmRoot"/>
+      </p:par>
+    </p:tnLst>
+  </p:timing>
+</p:sld>
+</file>
+
+<file path=ppt/slides/slide8.xml><?xml version="1.0" encoding="utf-8"?>
+<p:sld xmlns:a="http://schemas.openxmlformats.org/drawingml/2006/main" xmlns:r="http://schemas.openxmlformats.org/officeDocument/2006/relationships" xmlns:p="http://schemas.openxmlformats.org/presentationml/2006/main">
+  <p:cSld>
+    <p:spTree>
+      <p:nvGrpSpPr>
+        <p:cNvPr id="1" name=""/>
+        <p:cNvGrpSpPr/>
+        <p:nvPr/>
+      </p:nvGrpSpPr>
+      <p:grpSpPr>
+        <a:xfrm>
+          <a:off x="0" y="0"/>
+          <a:ext cx="0" cy="0"/>
+          <a:chOff x="0" y="0"/>
+          <a:chExt cx="0" cy="0"/>
+        </a:xfrm>
+      </p:grpSpPr>
+      <p:sp>
+        <p:nvSpPr>
+          <p:cNvPr id="3" name="Titre 2"/>
+          <p:cNvSpPr>
+            <a:spLocks noGrp="1"/>
+          </p:cNvSpPr>
+          <p:nvPr>
+            <p:ph type="title"/>
+          </p:nvPr>
+        </p:nvSpPr>
+        <p:spPr/>
+        <p:txBody>
+          <a:bodyPr/>
+          <a:lstStyle/>
+          <a:p>
+            <a:r>
+              <a:rPr lang="fr-CH" dirty="0" smtClean="0"/>
+              <a:t>Organisation</a:t>
+            </a:r>
+            <a:endParaRPr lang="fr-CH" dirty="0"/>
+          </a:p>
+        </p:txBody>
+      </p:sp>
+      <p:graphicFrame>
+        <p:nvGraphicFramePr>
+          <p:cNvPr id="7" name="Espace réservé du contenu 6"/>
+          <p:cNvGraphicFramePr>
+            <a:graphicFrameLocks noGrp="1"/>
+          </p:cNvGraphicFramePr>
+          <p:nvPr>
+            <p:ph idx="1"/>
+            <p:extLst>
+              <p:ext uri="{D42A27DB-BD31-4B8C-83A1-F6EECF244321}">
+                <p14:modId xmlns:p14="http://schemas.microsoft.com/office/powerpoint/2010/main" val="1954287725"/>
+              </p:ext>
+            </p:extLst>
+          </p:nvPr>
+        </p:nvGraphicFramePr>
+        <p:xfrm>
+          <a:off x="698500" y="2247900"/>
+          <a:ext cx="7746999" cy="1854200"/>
+        </p:xfrm>
+        <a:graphic>
+          <a:graphicData uri="http://schemas.openxmlformats.org/drawingml/2006/table">
+            <a:tbl>
+              <a:tblPr firstRow="1" bandRow="1">
+                <a:tableStyleId>{5C22544A-7EE6-4342-B048-85BDC9FD1C3A}</a:tableStyleId>
+              </a:tblPr>
+              <a:tblGrid>
+                <a:gridCol w="2582333"/>
+                <a:gridCol w="2731327"/>
+                <a:gridCol w="2433339"/>
+              </a:tblGrid>
+              <a:tr h="370840">
+                <a:tc>
+                  <a:txBody>
+                    <a:bodyPr/>
+                    <a:lstStyle/>
+                    <a:p>
+                      <a:endParaRPr lang="fr-CH" dirty="0"/>
+                    </a:p>
+                  </a:txBody>
+                  <a:tcPr/>
+                </a:tc>
+                <a:tc>
+                  <a:txBody>
+                    <a:bodyPr/>
+                    <a:lstStyle/>
+                    <a:p>
+                      <a:r>
+                        <a:rPr lang="fr-CH" dirty="0" smtClean="0"/>
+                        <a:t>Damien</a:t>
+                      </a:r>
+                      <a:endParaRPr lang="fr-CH" dirty="0"/>
+                    </a:p>
+                  </a:txBody>
+                  <a:tcPr/>
+                </a:tc>
+                <a:tc>
+                  <a:txBody>
+                    <a:bodyPr/>
+                    <a:lstStyle/>
+                    <a:p>
+                      <a:r>
+                        <a:rPr lang="fr-CH" dirty="0" smtClean="0"/>
+                        <a:t>Lancelot</a:t>
+                      </a:r>
+                      <a:endParaRPr lang="fr-CH" dirty="0"/>
+                    </a:p>
+                  </a:txBody>
+                  <a:tcPr/>
+                </a:tc>
+              </a:tr>
+              <a:tr h="370840">
+                <a:tc>
+                  <a:txBody>
+                    <a:bodyPr/>
+                    <a:lstStyle/>
+                    <a:p>
+                      <a:r>
+                        <a:rPr lang="fr-CH" dirty="0" err="1" smtClean="0"/>
+                        <a:t>Map</a:t>
+                      </a:r>
+                      <a:r>
+                        <a:rPr lang="fr-CH" dirty="0" smtClean="0"/>
+                        <a:t> </a:t>
+                      </a:r>
+                      <a:endParaRPr lang="fr-CH" dirty="0"/>
+                    </a:p>
+                  </a:txBody>
+                  <a:tcPr/>
+                </a:tc>
+                <a:tc>
+                  <a:txBody>
+                    <a:bodyPr/>
+                    <a:lstStyle/>
+                    <a:p>
+                      <a:r>
+                        <a:rPr lang="fr-CH" dirty="0" smtClean="0"/>
+                        <a:t>Intégration</a:t>
+                      </a:r>
+                      <a:r>
+                        <a:rPr lang="fr-CH" baseline="0" dirty="0" smtClean="0"/>
+                        <a:t> </a:t>
+                      </a:r>
+                      <a:r>
+                        <a:rPr lang="fr-CH" dirty="0" smtClean="0"/>
+                        <a:t>d’un niveau</a:t>
+                      </a:r>
+                      <a:endParaRPr lang="fr-CH" dirty="0"/>
+                    </a:p>
+                  </a:txBody>
+                  <a:tcPr/>
+                </a:tc>
+                <a:tc>
+                  <a:txBody>
+                    <a:bodyPr/>
+                    <a:lstStyle/>
+                    <a:p>
+                      <a:r>
+                        <a:rPr lang="fr-CH" dirty="0" smtClean="0"/>
+                        <a:t>Collisions</a:t>
+                      </a:r>
+                      <a:endParaRPr lang="fr-CH" dirty="0"/>
+                    </a:p>
+                  </a:txBody>
+                  <a:tcPr/>
+                </a:tc>
+              </a:tr>
+              <a:tr h="370840">
+                <a:tc>
+                  <a:txBody>
+                    <a:bodyPr/>
+                    <a:lstStyle/>
+                    <a:p>
+                      <a:r>
+                        <a:rPr lang="fr-CH" dirty="0" smtClean="0"/>
+                        <a:t>Joueur</a:t>
+                      </a:r>
+                      <a:endParaRPr lang="fr-CH" dirty="0"/>
+                    </a:p>
+                  </a:txBody>
+                  <a:tcPr/>
+                </a:tc>
+                <a:tc>
+                  <a:txBody>
+                    <a:bodyPr/>
+                    <a:lstStyle/>
+                    <a:p>
+                      <a:r>
+                        <a:rPr lang="fr-CH" dirty="0" smtClean="0"/>
+                        <a:t>Caméra</a:t>
+                      </a:r>
+                      <a:endParaRPr lang="fr-CH" dirty="0"/>
+                    </a:p>
+                  </a:txBody>
+                  <a:tcPr/>
+                </a:tc>
+                <a:tc>
+                  <a:txBody>
+                    <a:bodyPr/>
+                    <a:lstStyle/>
+                    <a:p>
+                      <a:r>
+                        <a:rPr lang="fr-CH" dirty="0" smtClean="0"/>
+                        <a:t>Déplacements</a:t>
+                      </a:r>
+                      <a:endParaRPr lang="fr-CH" dirty="0"/>
+                    </a:p>
+                  </a:txBody>
+                  <a:tcPr/>
+                </a:tc>
+              </a:tr>
+              <a:tr h="370840">
+                <a:tc>
+                  <a:txBody>
+                    <a:bodyPr/>
+                    <a:lstStyle/>
+                    <a:p>
+                      <a:r>
+                        <a:rPr lang="fr-CH" dirty="0" smtClean="0"/>
+                        <a:t>Interface</a:t>
+                      </a:r>
+                      <a:endParaRPr lang="fr-CH" dirty="0"/>
+                    </a:p>
+                  </a:txBody>
+                  <a:tcPr/>
+                </a:tc>
+                <a:tc>
+                  <a:txBody>
+                    <a:bodyPr/>
+                    <a:lstStyle/>
+                    <a:p>
+                      <a:r>
+                        <a:rPr lang="fr-CH" dirty="0" smtClean="0"/>
+                        <a:t>HUD et niveaux</a:t>
+                      </a:r>
+                      <a:endParaRPr lang="fr-CH" dirty="0"/>
+                    </a:p>
+                  </a:txBody>
+                  <a:tcPr/>
+                </a:tc>
+                <a:tc>
+                  <a:txBody>
+                    <a:bodyPr/>
+                    <a:lstStyle/>
+                    <a:p>
+                      <a:r>
+                        <a:rPr lang="fr-CH" dirty="0" err="1" smtClean="0"/>
+                        <a:t>BackGround</a:t>
+                      </a:r>
+                      <a:endParaRPr lang="fr-CH" dirty="0"/>
+                    </a:p>
+                  </a:txBody>
+                  <a:tcPr/>
+                </a:tc>
+              </a:tr>
+              <a:tr h="370840">
+                <a:tc>
+                  <a:txBody>
+                    <a:bodyPr/>
+                    <a:lstStyle/>
+                    <a:p>
+                      <a:endParaRPr lang="fr-CH"/>
+                    </a:p>
+                  </a:txBody>
+                  <a:tcPr/>
+                </a:tc>
+                <a:tc>
+                  <a:txBody>
+                    <a:bodyPr/>
+                    <a:lstStyle/>
+                    <a:p>
+                      <a:endParaRPr lang="fr-CH"/>
+                    </a:p>
+                  </a:txBody>
+                  <a:tcPr/>
+                </a:tc>
+                <a:tc>
+                  <a:txBody>
+                    <a:bodyPr/>
+                    <a:lstStyle/>
+                    <a:p>
+                      <a:endParaRPr lang="fr-CH"/>
+                    </a:p>
+                  </a:txBody>
+                  <a:tcPr/>
+                </a:tc>
+              </a:tr>
+            </a:tbl>
+          </a:graphicData>
+        </a:graphic>
+      </p:graphicFrame>
+    </p:spTree>
+    <p:extLst>
+      <p:ext uri="{BB962C8B-B14F-4D97-AF65-F5344CB8AC3E}">
+        <p14:creationId xmlns:p14="http://schemas.microsoft.com/office/powerpoint/2010/main" val="3285650811"/>
+      </p:ext>
+    </p:extLst>
+  </p:cSld>
+  <p:clrMapOvr>
+    <a:masterClrMapping/>
+  </p:clrMapOvr>
+</p:sld>
+</file>
+
+<file path=ppt/slides/slide9.xml><?xml version="1.0" encoding="utf-8"?>
+<p:sld xmlns:a="http://schemas.openxmlformats.org/drawingml/2006/main" xmlns:r="http://schemas.openxmlformats.org/officeDocument/2006/relationships" xmlns:p="http://schemas.openxmlformats.org/presentationml/2006/main">
+  <p:cSld>
+    <p:spTree>
+      <p:nvGrpSpPr>
+        <p:cNvPr id="1" name=""/>
+        <p:cNvGrpSpPr/>
+        <p:nvPr/>
+      </p:nvGrpSpPr>
+      <p:grpSpPr>
+        <a:xfrm>
+          <a:off x="0" y="0"/>
+          <a:ext cx="0" cy="0"/>
+          <a:chOff x="0" y="0"/>
+          <a:chExt cx="0" cy="0"/>
+        </a:xfrm>
+      </p:grpSpPr>
+      <p:sp>
+        <p:nvSpPr>
+          <p:cNvPr id="2" name="Espace réservé du contenu 1"/>
+          <p:cNvSpPr>
+            <a:spLocks noGrp="1"/>
+          </p:cNvSpPr>
+          <p:nvPr>
+            <p:ph idx="1"/>
+          </p:nvPr>
+        </p:nvSpPr>
+        <p:spPr/>
+        <p:txBody>
+          <a:bodyPr/>
+          <a:lstStyle/>
+          <a:p>
+            <a:r>
+              <a:rPr lang="fr-CH" dirty="0" smtClean="0"/>
+              <a:t>Menu pour choisir des niveaux</a:t>
+            </a:r>
+          </a:p>
+          <a:p>
+            <a:r>
+              <a:rPr lang="fr-CH" dirty="0" smtClean="0"/>
+              <a:t>Objets bonus et déplaçables</a:t>
+            </a:r>
+          </a:p>
+          <a:p>
+            <a:r>
+              <a:rPr lang="fr-CH" dirty="0" smtClean="0"/>
+              <a:t>Contenu sonore</a:t>
+            </a:r>
+          </a:p>
+          <a:p>
+            <a:r>
+              <a:rPr lang="fr-CH" dirty="0" smtClean="0"/>
+              <a:t>Niveaux plus complexes (énigmes) </a:t>
+            </a:r>
+            <a:endParaRPr lang="fr-CH" dirty="0"/>
+          </a:p>
+        </p:txBody>
+      </p:sp>
+      <p:sp>
+        <p:nvSpPr>
+          <p:cNvPr id="3" name="Titre 2"/>
+          <p:cNvSpPr>
+            <a:spLocks noGrp="1"/>
+          </p:cNvSpPr>
+          <p:nvPr>
+            <p:ph type="title"/>
+          </p:nvPr>
+        </p:nvSpPr>
+        <p:spPr/>
+        <p:txBody>
+          <a:bodyPr/>
+          <a:lstStyle/>
+          <a:p>
+            <a:r>
+              <a:rPr lang="fr-CH" dirty="0" smtClean="0"/>
+              <a:t>Améliorations possibles</a:t>
+            </a:r>
+            <a:endParaRPr lang="fr-CH" dirty="0"/>
+          </a:p>
+        </p:txBody>
+      </p:sp>
+    </p:spTree>
+    <p:extLst>
+      <p:ext uri="{BB962C8B-B14F-4D97-AF65-F5344CB8AC3E}">
+        <p14:creationId xmlns:p14="http://schemas.microsoft.com/office/powerpoint/2010/main" val="2639256084"/>
       </p:ext>
     </p:extLst>
   </p:cSld>

--- a/Admimistatif/Presentation.pptx
+++ b/Admimistatif/Presentation.pptx
@@ -637,15 +637,7 @@
           <a:p>
             <a:r>
               <a:rPr lang="fr-CH" dirty="0" smtClean="0"/>
-              <a:t>Cahier </a:t>
-            </a:r>
-            <a:r>
-              <a:rPr lang="fr-CH" dirty="0" smtClean="0"/>
-              <a:t>des </a:t>
-            </a:r>
-            <a:r>
-              <a:rPr lang="fr-CH" dirty="0" smtClean="0"/>
-              <a:t>charges</a:t>
+              <a:t>Cahier des charges</a:t>
             </a:r>
             <a:endParaRPr lang="fr-CH" dirty="0"/>
           </a:p>
@@ -5857,11 +5849,7 @@
             </a:r>
             <a:r>
               <a:rPr lang="fr-CH" dirty="0" smtClean="0"/>
-              <a:t> </a:t>
-            </a:r>
-            <a:r>
-              <a:rPr lang="fr-CH" dirty="0" smtClean="0"/>
-              <a:t>2D</a:t>
+              <a:t> 2D</a:t>
             </a:r>
           </a:p>
           <a:p>
@@ -6165,6 +6153,36 @@
           </a:p>
         </p:txBody>
       </p:sp>
+      <p:pic>
+        <p:nvPicPr>
+          <p:cNvPr id="4" name="Image 3"/>
+          <p:cNvPicPr>
+            <a:picLocks noChangeAspect="1"/>
+          </p:cNvPicPr>
+          <p:nvPr/>
+        </p:nvPicPr>
+        <p:blipFill>
+          <a:blip r:embed="rId3">
+            <a:extLst>
+              <a:ext uri="{28A0092B-C50C-407E-A947-70E740481C1C}">
+                <a14:useLocalDpi xmlns:a14="http://schemas.microsoft.com/office/drawing/2010/main" val="0"/>
+              </a:ext>
+            </a:extLst>
+          </a:blip>
+          <a:stretch>
+            <a:fillRect/>
+          </a:stretch>
+        </p:blipFill>
+        <p:spPr>
+          <a:xfrm>
+            <a:off x="3995936" y="1916832"/>
+            <a:ext cx="4050793" cy="4076190"/>
+          </a:xfrm>
+          <a:prstGeom prst="rect">
+            <a:avLst/>
+          </a:prstGeom>
+        </p:spPr>
+      </p:pic>
     </p:spTree>
     <p:extLst>
       <p:ext uri="{BB962C8B-B14F-4D97-AF65-F5344CB8AC3E}">

--- a/Admimistatif/Presentation.pptx
+++ b/Admimistatif/Presentation.pptx
@@ -281,35 +281,35 @@
           <a:p>
             <a:pPr lvl="0"/>
             <a:r>
-              <a:rPr lang="fr-FR" smtClean="0"/>
+              <a:rPr lang="fr-FR"/>
               <a:t>Modifiez les styles du texte du masque</a:t>
             </a:r>
           </a:p>
           <a:p>
             <a:pPr lvl="1"/>
             <a:r>
-              <a:rPr lang="fr-FR" smtClean="0"/>
+              <a:rPr lang="fr-FR"/>
               <a:t>Deuxième niveau</a:t>
             </a:r>
           </a:p>
           <a:p>
             <a:pPr lvl="2"/>
             <a:r>
-              <a:rPr lang="fr-FR" smtClean="0"/>
+              <a:rPr lang="fr-FR"/>
               <a:t>Troisième niveau</a:t>
             </a:r>
           </a:p>
           <a:p>
             <a:pPr lvl="3"/>
             <a:r>
-              <a:rPr lang="fr-FR" smtClean="0"/>
+              <a:rPr lang="fr-FR"/>
               <a:t>Quatrième niveau</a:t>
             </a:r>
           </a:p>
           <a:p>
             <a:pPr lvl="4"/>
             <a:r>
-              <a:rPr lang="fr-FR" smtClean="0"/>
+              <a:rPr lang="fr-FR"/>
               <a:t>Cinquième niveau</a:t>
             </a:r>
             <a:endParaRPr lang="fr-CH"/>
@@ -614,32 +614,31 @@
           <a:lstStyle/>
           <a:p>
             <a:r>
-              <a:rPr lang="fr-CH" dirty="0" smtClean="0"/>
+              <a:rPr lang="fr-CH" dirty="0"/>
               <a:t>Idée de base</a:t>
             </a:r>
             <a:r>
-              <a:rPr lang="fr-CH" baseline="0" dirty="0" smtClean="0"/>
+              <a:rPr lang="fr-CH" baseline="0" dirty="0"/>
               <a:t> =&gt; faire un jeu de </a:t>
             </a:r>
             <a:r>
-              <a:rPr lang="fr-CH" baseline="0" dirty="0" err="1" smtClean="0"/>
+              <a:rPr lang="fr-CH" baseline="0" dirty="0" err="1"/>
               <a:t>plateform</a:t>
             </a:r>
             <a:r>
-              <a:rPr lang="fr-CH" baseline="0" dirty="0" smtClean="0"/>
+              <a:rPr lang="fr-CH" baseline="0" dirty="0"/>
               <a:t> en 2d</a:t>
             </a:r>
-            <a:endParaRPr lang="fr-CH" dirty="0" smtClean="0"/>
-          </a:p>
-          <a:p>
-            <a:endParaRPr lang="fr-CH" dirty="0" smtClean="0"/>
-          </a:p>
-          <a:p>
-            <a:r>
-              <a:rPr lang="fr-CH" dirty="0" smtClean="0"/>
+            <a:endParaRPr lang="fr-CH" dirty="0"/>
+          </a:p>
+          <a:p>
+            <a:endParaRPr lang="fr-CH" dirty="0"/>
+          </a:p>
+          <a:p>
+            <a:r>
+              <a:rPr lang="fr-CH" dirty="0"/>
               <a:t>Cahier des charges</a:t>
             </a:r>
-            <a:endParaRPr lang="fr-CH" dirty="0"/>
           </a:p>
           <a:p>
             <a:pPr marL="171450" indent="-171450">
@@ -647,15 +646,15 @@
               <a:buChar char="-"/>
             </a:pPr>
             <a:r>
-              <a:rPr lang="fr-CH" baseline="0" dirty="0" smtClean="0"/>
+              <a:rPr lang="fr-CH" baseline="0" dirty="0"/>
               <a:t>Utilisation de </a:t>
             </a:r>
             <a:r>
-              <a:rPr lang="fr-CH" baseline="0" dirty="0" err="1" smtClean="0"/>
+              <a:rPr lang="fr-CH" baseline="0" dirty="0" err="1"/>
               <a:t>tiled</a:t>
             </a:r>
             <a:r>
-              <a:rPr lang="fr-CH" baseline="0" dirty="0" smtClean="0"/>
+              <a:rPr lang="fr-CH" baseline="0" dirty="0"/>
               <a:t> pour les niveaux</a:t>
             </a:r>
           </a:p>
@@ -665,11 +664,11 @@
               <a:buChar char="-"/>
             </a:pPr>
             <a:r>
-              <a:rPr lang="fr-CH" baseline="0" dirty="0" err="1" smtClean="0"/>
+              <a:rPr lang="fr-CH" baseline="0" dirty="0" err="1"/>
               <a:t>Deplacement</a:t>
             </a:r>
             <a:r>
-              <a:rPr lang="fr-CH" baseline="0" dirty="0" smtClean="0"/>
+              <a:rPr lang="fr-CH" baseline="0" dirty="0"/>
               <a:t> du personnage</a:t>
             </a:r>
           </a:p>
@@ -679,7 +678,7 @@
               <a:buChar char="-"/>
             </a:pPr>
             <a:r>
-              <a:rPr lang="fr-CH" baseline="0" dirty="0" smtClean="0"/>
+              <a:rPr lang="fr-CH" baseline="0" dirty="0"/>
               <a:t>Collisions</a:t>
             </a:r>
           </a:p>
@@ -689,7 +688,7 @@
               <a:buChar char="-"/>
             </a:pPr>
             <a:r>
-              <a:rPr lang="fr-CH" baseline="0" dirty="0" smtClean="0"/>
+              <a:rPr lang="fr-CH" baseline="0" dirty="0"/>
               <a:t>Physique du jeu (gravité)</a:t>
             </a:r>
           </a:p>
@@ -699,7 +698,7 @@
               <a:buChar char="-"/>
             </a:pPr>
             <a:r>
-              <a:rPr lang="fr-CH" baseline="0" dirty="0" smtClean="0"/>
+              <a:rPr lang="fr-CH" baseline="0" dirty="0"/>
               <a:t>Background avec scrolling</a:t>
             </a:r>
           </a:p>
@@ -709,7 +708,7 @@
               <a:buChar char="-"/>
             </a:pPr>
             <a:r>
-              <a:rPr lang="fr-CH" baseline="0" dirty="0" smtClean="0"/>
+              <a:rPr lang="fr-CH" baseline="0" dirty="0"/>
               <a:t>HUD de base</a:t>
             </a:r>
           </a:p>
@@ -719,7 +718,7 @@
               <a:buChar char="-"/>
             </a:pPr>
             <a:r>
-              <a:rPr lang="fr-CH" baseline="0" dirty="0" smtClean="0"/>
+              <a:rPr lang="fr-CH" baseline="0" dirty="0"/>
               <a:t>Animations</a:t>
             </a:r>
           </a:p>
@@ -728,14 +727,14 @@
               <a:buFontTx/>
               <a:buChar char="-"/>
             </a:pPr>
-            <a:endParaRPr lang="fr-CH" baseline="0" dirty="0" smtClean="0"/>
+            <a:endParaRPr lang="fr-CH" baseline="0" dirty="0"/>
           </a:p>
           <a:p>
             <a:pPr marL="171450" indent="-171450">
               <a:buFontTx/>
               <a:buChar char="-"/>
             </a:pPr>
-            <a:endParaRPr lang="fr-CH" dirty="0" smtClean="0"/>
+            <a:endParaRPr lang="fr-CH" dirty="0"/>
           </a:p>
         </p:txBody>
       </p:sp>
@@ -820,49 +819,49 @@
           <a:lstStyle/>
           <a:p>
             <a:r>
-              <a:rPr lang="fr-CH" dirty="0" smtClean="0"/>
+              <a:rPr lang="fr-CH" dirty="0"/>
               <a:t> </a:t>
             </a:r>
             <a:r>
-              <a:rPr lang="fr-CH" dirty="0" err="1" smtClean="0"/>
+              <a:rPr lang="fr-CH" dirty="0" err="1"/>
               <a:t>gameStage</a:t>
             </a:r>
             <a:r>
-              <a:rPr lang="fr-CH" dirty="0" smtClean="0"/>
+              <a:rPr lang="fr-CH" dirty="0"/>
               <a:t> (</a:t>
             </a:r>
             <a:r>
-              <a:rPr lang="fr-CH" dirty="0" err="1" smtClean="0"/>
+              <a:rPr lang="fr-CH" dirty="0" err="1"/>
               <a:t>scene</a:t>
             </a:r>
             <a:r>
-              <a:rPr lang="fr-CH" dirty="0" smtClean="0"/>
+              <a:rPr lang="fr-CH" dirty="0"/>
               <a:t>)</a:t>
             </a:r>
             <a:r>
-              <a:rPr lang="fr-CH" baseline="0" dirty="0" smtClean="0"/>
+              <a:rPr lang="fr-CH" baseline="0" dirty="0"/>
               <a:t> contient les </a:t>
             </a:r>
             <a:r>
-              <a:rPr lang="fr-CH" baseline="0" dirty="0" err="1" smtClean="0"/>
+              <a:rPr lang="fr-CH" baseline="0" dirty="0" err="1"/>
               <a:t>elements</a:t>
             </a:r>
             <a:r>
-              <a:rPr lang="fr-CH" baseline="0" dirty="0" smtClean="0"/>
+              <a:rPr lang="fr-CH" baseline="0" dirty="0"/>
               <a:t> de jeu.</a:t>
             </a:r>
           </a:p>
           <a:p>
             <a:r>
-              <a:rPr lang="fr-CH" baseline="0" dirty="0" smtClean="0"/>
+              <a:rPr lang="fr-CH" baseline="0" dirty="0"/>
               <a:t>Deux boucles, une pour les calculs (position </a:t>
             </a:r>
             <a:r>
-              <a:rPr lang="fr-CH" baseline="0" dirty="0" err="1" smtClean="0"/>
+              <a:rPr lang="fr-CH" baseline="0" dirty="0" err="1"/>
               <a:t>etc</a:t>
             </a:r>
             <a:r>
-              <a:rPr lang="fr-CH" baseline="0" dirty="0" smtClean="0"/>
+              <a:rPr lang="fr-CH" baseline="0" dirty="0"/>
               <a:t>) et une pour le rendu (graphique…)</a:t>
             </a:r>
             <a:endParaRPr lang="fr-CH" dirty="0"/>
@@ -950,19 +949,19 @@
           <a:lstStyle/>
           <a:p>
             <a:r>
-              <a:rPr lang="fr-CH" dirty="0" err="1" smtClean="0"/>
+              <a:rPr lang="fr-CH" dirty="0" err="1"/>
               <a:t>Ghosts</a:t>
             </a:r>
             <a:r>
-              <a:rPr lang="fr-CH" dirty="0" smtClean="0"/>
+              <a:rPr lang="fr-CH" dirty="0"/>
               <a:t> </a:t>
             </a:r>
             <a:r>
-              <a:rPr lang="fr-CH" dirty="0" err="1" smtClean="0"/>
+              <a:rPr lang="fr-CH" dirty="0" err="1"/>
               <a:t>vertices</a:t>
             </a:r>
             <a:r>
-              <a:rPr lang="fr-CH" dirty="0" smtClean="0"/>
+              <a:rPr lang="fr-CH" dirty="0"/>
               <a:t>?</a:t>
             </a:r>
           </a:p>
@@ -1354,7 +1353,7 @@
             <a:lstStyle/>
             <a:p>
               <a:r>
-                <a:rPr lang="en-US" sz="5400" dirty="0" smtClean="0">
+                <a:rPr lang="en-US" sz="5400" dirty="0">
                   <a:ln w="3175">
                     <a:solidFill>
                       <a:schemeClr val="tx2">
@@ -1378,28 +1377,6 @@
                 </a:rPr>
                 <a:t></a:t>
               </a:r>
-              <a:endParaRPr lang="en-US" sz="5400" dirty="0">
-                <a:ln w="3175">
-                  <a:solidFill>
-                    <a:schemeClr val="tx2">
-                      <a:alpha val="60000"/>
-                    </a:schemeClr>
-                  </a:solidFill>
-                </a:ln>
-                <a:solidFill>
-                  <a:schemeClr val="tx2">
-                    <a:lumMod val="90000"/>
-                  </a:schemeClr>
-                </a:solidFill>
-                <a:effectLst>
-                  <a:outerShdw blurRad="34925" dist="12700" dir="14400000" algn="ctr" rotWithShape="0">
-                    <a:srgbClr val="000000">
-                      <a:alpha val="21000"/>
-                    </a:srgbClr>
-                  </a:outerShdw>
-                </a:effectLst>
-                <a:latin typeface="Wingdings" pitchFamily="2" charset="2"/>
-              </a:endParaRPr>
             </a:p>
           </p:txBody>
         </p:sp>
@@ -1523,7 +1500,7 @@
           </a:lstStyle>
           <a:p>
             <a:r>
-              <a:rPr lang="fr-FR" smtClean="0"/>
+              <a:rPr lang="fr-FR"/>
               <a:t>Modifiez le style du titre</a:t>
             </a:r>
             <a:endParaRPr lang="en-US" dirty="0"/>
@@ -1647,7 +1624,7 @@
           </a:lstStyle>
           <a:p>
             <a:r>
-              <a:rPr lang="fr-FR" smtClean="0"/>
+              <a:rPr lang="fr-FR"/>
               <a:t>Modifiez le style des sous-titres du masque</a:t>
             </a:r>
             <a:endParaRPr lang="en-US" dirty="0"/>
@@ -1695,7 +1672,7 @@
           <a:lstStyle/>
           <a:p>
             <a:r>
-              <a:rPr lang="fr-FR" smtClean="0"/>
+              <a:rPr lang="fr-FR"/>
               <a:t>Modifiez le style du titre</a:t>
             </a:r>
             <a:endParaRPr lang="en-US"/>
@@ -1719,35 +1696,35 @@
           <a:p>
             <a:pPr lvl="0"/>
             <a:r>
-              <a:rPr lang="fr-FR" smtClean="0"/>
+              <a:rPr lang="fr-FR"/>
               <a:t>Modifiez les styles du texte du masque</a:t>
             </a:r>
           </a:p>
           <a:p>
             <a:pPr lvl="1"/>
             <a:r>
-              <a:rPr lang="fr-FR" smtClean="0"/>
+              <a:rPr lang="fr-FR"/>
               <a:t>Deuxième niveau</a:t>
             </a:r>
           </a:p>
           <a:p>
             <a:pPr lvl="2"/>
             <a:r>
-              <a:rPr lang="fr-FR" smtClean="0"/>
+              <a:rPr lang="fr-FR"/>
               <a:t>Troisième niveau</a:t>
             </a:r>
           </a:p>
           <a:p>
             <a:pPr lvl="3"/>
             <a:r>
-              <a:rPr lang="fr-FR" smtClean="0"/>
+              <a:rPr lang="fr-FR"/>
               <a:t>Quatrième niveau</a:t>
             </a:r>
           </a:p>
           <a:p>
             <a:pPr lvl="4"/>
             <a:r>
-              <a:rPr lang="fr-FR" smtClean="0"/>
+              <a:rPr lang="fr-FR"/>
               <a:t>Cinquième niveau</a:t>
             </a:r>
             <a:endParaRPr lang="en-US"/>
@@ -1856,7 +1833,7 @@
             <a:lstStyle/>
             <a:p>
               <a:r>
-                <a:rPr lang="en-US" sz="5400" dirty="0" smtClean="0">
+                <a:rPr lang="en-US" sz="5400" dirty="0">
                   <a:solidFill>
                     <a:schemeClr val="tx2">
                       <a:lumMod val="60000"/>
@@ -1867,15 +1844,6 @@
                 </a:rPr>
                 <a:t></a:t>
               </a:r>
-              <a:endParaRPr lang="en-US" sz="5400" dirty="0">
-                <a:solidFill>
-                  <a:schemeClr val="tx2">
-                    <a:lumMod val="60000"/>
-                    <a:lumOff val="40000"/>
-                  </a:schemeClr>
-                </a:solidFill>
-                <a:latin typeface="Wingdings" pitchFamily="2" charset="2"/>
-              </a:endParaRPr>
             </a:p>
           </p:txBody>
         </p:sp>
@@ -2004,7 +1972,7 @@
           <a:lstStyle/>
           <a:p>
             <a:r>
-              <a:rPr lang="fr-FR" smtClean="0"/>
+              <a:rPr lang="fr-FR"/>
               <a:t>Modifiez le style du titre</a:t>
             </a:r>
             <a:endParaRPr lang="en-US" dirty="0"/>
@@ -2033,35 +2001,35 @@
           <a:p>
             <a:pPr lvl="0"/>
             <a:r>
-              <a:rPr lang="fr-FR" smtClean="0"/>
+              <a:rPr lang="fr-FR"/>
               <a:t>Modifiez les styles du texte du masque</a:t>
             </a:r>
           </a:p>
           <a:p>
             <a:pPr lvl="1"/>
             <a:r>
-              <a:rPr lang="fr-FR" smtClean="0"/>
+              <a:rPr lang="fr-FR"/>
               <a:t>Deuxième niveau</a:t>
             </a:r>
           </a:p>
           <a:p>
             <a:pPr lvl="2"/>
             <a:r>
-              <a:rPr lang="fr-FR" smtClean="0"/>
+              <a:rPr lang="fr-FR"/>
               <a:t>Troisième niveau</a:t>
             </a:r>
           </a:p>
           <a:p>
             <a:pPr lvl="3"/>
             <a:r>
-              <a:rPr lang="fr-FR" smtClean="0"/>
+              <a:rPr lang="fr-FR"/>
               <a:t>Quatrième niveau</a:t>
             </a:r>
           </a:p>
           <a:p>
             <a:pPr lvl="4"/>
             <a:r>
-              <a:rPr lang="fr-FR" smtClean="0"/>
+              <a:rPr lang="fr-FR"/>
               <a:t>Cinquième niveau</a:t>
             </a:r>
             <a:endParaRPr lang="en-US"/>
@@ -2170,7 +2138,7 @@
             <a:lstStyle/>
             <a:p>
               <a:r>
-                <a:rPr lang="en-US" sz="5400" dirty="0" smtClean="0">
+                <a:rPr lang="en-US" sz="5400" dirty="0">
                   <a:solidFill>
                     <a:schemeClr val="tx2">
                       <a:lumMod val="60000"/>
@@ -2181,15 +2149,6 @@
                 </a:rPr>
                 <a:t></a:t>
               </a:r>
-              <a:endParaRPr lang="en-US" sz="5400" dirty="0">
-                <a:solidFill>
-                  <a:schemeClr val="tx2">
-                    <a:lumMod val="60000"/>
-                    <a:lumOff val="40000"/>
-                  </a:schemeClr>
-                </a:solidFill>
-                <a:latin typeface="Wingdings" pitchFamily="2" charset="2"/>
-              </a:endParaRPr>
             </a:p>
           </p:txBody>
         </p:sp>
@@ -2319,35 +2278,35 @@
           <a:p>
             <a:pPr lvl="0"/>
             <a:r>
-              <a:rPr lang="fr-FR" smtClean="0"/>
+              <a:rPr lang="fr-FR"/>
               <a:t>Modifiez les styles du texte du masque</a:t>
             </a:r>
           </a:p>
           <a:p>
             <a:pPr lvl="1"/>
             <a:r>
-              <a:rPr lang="fr-FR" smtClean="0"/>
+              <a:rPr lang="fr-FR"/>
               <a:t>Deuxième niveau</a:t>
             </a:r>
           </a:p>
           <a:p>
             <a:pPr lvl="2"/>
             <a:r>
-              <a:rPr lang="fr-FR" smtClean="0"/>
+              <a:rPr lang="fr-FR"/>
               <a:t>Troisième niveau</a:t>
             </a:r>
           </a:p>
           <a:p>
             <a:pPr lvl="3"/>
             <a:r>
-              <a:rPr lang="fr-FR" smtClean="0"/>
+              <a:rPr lang="fr-FR"/>
               <a:t>Quatrième niveau</a:t>
             </a:r>
           </a:p>
           <a:p>
             <a:pPr lvl="4"/>
             <a:r>
-              <a:rPr lang="fr-FR" smtClean="0"/>
+              <a:rPr lang="fr-FR"/>
               <a:t>Cinquième niveau</a:t>
             </a:r>
             <a:endParaRPr lang="en-US"/>
@@ -2435,7 +2394,7 @@
           <a:lstStyle/>
           <a:p>
             <a:r>
-              <a:rPr lang="fr-FR" smtClean="0"/>
+              <a:rPr lang="fr-FR"/>
               <a:t>Modifiez le style du titre</a:t>
             </a:r>
             <a:endParaRPr lang="en-US"/>
@@ -2479,7 +2438,7 @@
             <a:lstStyle/>
             <a:p>
               <a:r>
-                <a:rPr lang="en-US" sz="5400" dirty="0" smtClean="0">
+                <a:rPr lang="en-US" sz="5400" dirty="0">
                   <a:solidFill>
                     <a:schemeClr val="tx2">
                       <a:lumMod val="60000"/>
@@ -2490,15 +2449,6 @@
                 </a:rPr>
                 <a:t></a:t>
               </a:r>
-              <a:endParaRPr lang="en-US" sz="5400" dirty="0">
-                <a:solidFill>
-                  <a:schemeClr val="tx2">
-                    <a:lumMod val="60000"/>
-                    <a:lumOff val="40000"/>
-                  </a:schemeClr>
-                </a:solidFill>
-                <a:latin typeface="Wingdings" pitchFamily="2" charset="2"/>
-              </a:endParaRPr>
             </a:p>
           </p:txBody>
         </p:sp>
@@ -2674,7 +2624,7 @@
             <a:lstStyle/>
             <a:p>
               <a:r>
-                <a:rPr lang="en-US" sz="5400" dirty="0" smtClean="0">
+                <a:rPr lang="en-US" sz="5400" dirty="0">
                   <a:solidFill>
                     <a:schemeClr val="tx2">
                       <a:lumMod val="60000"/>
@@ -2685,15 +2635,6 @@
                 </a:rPr>
                 <a:t></a:t>
               </a:r>
-              <a:endParaRPr lang="en-US" sz="5400" dirty="0">
-                <a:solidFill>
-                  <a:schemeClr val="tx2">
-                    <a:lumMod val="60000"/>
-                    <a:lumOff val="40000"/>
-                  </a:schemeClr>
-                </a:solidFill>
-                <a:latin typeface="Wingdings" pitchFamily="2" charset="2"/>
-              </a:endParaRPr>
             </a:p>
           </p:txBody>
         </p:sp>
@@ -2805,7 +2746,7 @@
           </a:lstStyle>
           <a:p>
             <a:r>
-              <a:rPr lang="fr-FR" smtClean="0"/>
+              <a:rPr lang="fr-FR"/>
               <a:t>Modifiez le style du titre</a:t>
             </a:r>
             <a:endParaRPr lang="en-US" dirty="0"/>
@@ -2923,7 +2864,7 @@
           <a:p>
             <a:pPr lvl="0"/>
             <a:r>
-              <a:rPr lang="fr-FR" smtClean="0"/>
+              <a:rPr lang="fr-FR"/>
               <a:t>Modifiez les styles du texte du masque</a:t>
             </a:r>
           </a:p>
@@ -3108,7 +3049,7 @@
           </a:lstStyle>
           <a:p>
             <a:r>
-              <a:rPr lang="fr-FR" smtClean="0"/>
+              <a:rPr lang="fr-FR"/>
               <a:t>Modifiez le style du titre</a:t>
             </a:r>
             <a:endParaRPr lang="en-US" dirty="0"/>
@@ -3152,7 +3093,7 @@
             <a:lstStyle/>
             <a:p>
               <a:r>
-                <a:rPr lang="en-US" sz="5400" dirty="0" smtClean="0">
+                <a:rPr lang="en-US" sz="5400" dirty="0">
                   <a:solidFill>
                     <a:schemeClr val="tx2">
                       <a:lumMod val="60000"/>
@@ -3163,15 +3104,6 @@
                 </a:rPr>
                 <a:t></a:t>
               </a:r>
-              <a:endParaRPr lang="en-US" sz="5400" dirty="0">
-                <a:solidFill>
-                  <a:schemeClr val="tx2">
-                    <a:lumMod val="60000"/>
-                    <a:lumOff val="40000"/>
-                  </a:schemeClr>
-                </a:solidFill>
-                <a:latin typeface="Wingdings" pitchFamily="2" charset="2"/>
-              </a:endParaRPr>
             </a:p>
           </p:txBody>
         </p:sp>
@@ -3276,35 +3208,35 @@
           <a:p>
             <a:pPr lvl="0"/>
             <a:r>
-              <a:rPr lang="fr-FR" smtClean="0"/>
+              <a:rPr lang="fr-FR"/>
               <a:t>Modifiez les styles du texte du masque</a:t>
             </a:r>
           </a:p>
           <a:p>
             <a:pPr lvl="1"/>
             <a:r>
-              <a:rPr lang="fr-FR" smtClean="0"/>
+              <a:rPr lang="fr-FR"/>
               <a:t>Deuxième niveau</a:t>
             </a:r>
           </a:p>
           <a:p>
             <a:pPr lvl="2"/>
             <a:r>
-              <a:rPr lang="fr-FR" smtClean="0"/>
+              <a:rPr lang="fr-FR"/>
               <a:t>Troisième niveau</a:t>
             </a:r>
           </a:p>
           <a:p>
             <a:pPr lvl="3"/>
             <a:r>
-              <a:rPr lang="fr-FR" smtClean="0"/>
+              <a:rPr lang="fr-FR"/>
               <a:t>Quatrième niveau</a:t>
             </a:r>
           </a:p>
           <a:p>
             <a:pPr lvl="4"/>
             <a:r>
-              <a:rPr lang="fr-FR" smtClean="0"/>
+              <a:rPr lang="fr-FR"/>
               <a:t>Cinquième niveau</a:t>
             </a:r>
             <a:endParaRPr lang="en-US"/>
@@ -3333,35 +3265,35 @@
           <a:p>
             <a:pPr lvl="0"/>
             <a:r>
-              <a:rPr lang="fr-FR" smtClean="0"/>
+              <a:rPr lang="fr-FR"/>
               <a:t>Modifiez les styles du texte du masque</a:t>
             </a:r>
           </a:p>
           <a:p>
             <a:pPr lvl="1"/>
             <a:r>
-              <a:rPr lang="fr-FR" smtClean="0"/>
+              <a:rPr lang="fr-FR"/>
               <a:t>Deuxième niveau</a:t>
             </a:r>
           </a:p>
           <a:p>
             <a:pPr lvl="2"/>
             <a:r>
-              <a:rPr lang="fr-FR" smtClean="0"/>
+              <a:rPr lang="fr-FR"/>
               <a:t>Troisième niveau</a:t>
             </a:r>
           </a:p>
           <a:p>
             <a:pPr lvl="3"/>
             <a:r>
-              <a:rPr lang="fr-FR" smtClean="0"/>
+              <a:rPr lang="fr-FR"/>
               <a:t>Quatrième niveau</a:t>
             </a:r>
           </a:p>
           <a:p>
             <a:pPr lvl="4"/>
             <a:r>
-              <a:rPr lang="fr-FR" smtClean="0"/>
+              <a:rPr lang="fr-FR"/>
               <a:t>Cinquième niveau</a:t>
             </a:r>
             <a:endParaRPr lang="en-US"/>
@@ -3413,7 +3345,7 @@
           </a:lstStyle>
           <a:p>
             <a:r>
-              <a:rPr lang="fr-FR" smtClean="0"/>
+              <a:rPr lang="fr-FR"/>
               <a:t>Modifiez le style du titre</a:t>
             </a:r>
             <a:endParaRPr lang="en-US"/>
@@ -3483,7 +3415,7 @@
           <a:p>
             <a:pPr lvl="0"/>
             <a:r>
-              <a:rPr lang="fr-FR" smtClean="0"/>
+              <a:rPr lang="fr-FR"/>
               <a:t>Modifiez les styles du texte du masque</a:t>
             </a:r>
           </a:p>
@@ -3539,35 +3471,35 @@
           <a:p>
             <a:pPr lvl="0"/>
             <a:r>
-              <a:rPr lang="fr-FR" smtClean="0"/>
+              <a:rPr lang="fr-FR"/>
               <a:t>Modifiez les styles du texte du masque</a:t>
             </a:r>
           </a:p>
           <a:p>
             <a:pPr lvl="1"/>
             <a:r>
-              <a:rPr lang="fr-FR" smtClean="0"/>
+              <a:rPr lang="fr-FR"/>
               <a:t>Deuxième niveau</a:t>
             </a:r>
           </a:p>
           <a:p>
             <a:pPr lvl="2"/>
             <a:r>
-              <a:rPr lang="fr-FR" smtClean="0"/>
+              <a:rPr lang="fr-FR"/>
               <a:t>Troisième niveau</a:t>
             </a:r>
           </a:p>
           <a:p>
             <a:pPr lvl="3"/>
             <a:r>
-              <a:rPr lang="fr-FR" smtClean="0"/>
+              <a:rPr lang="fr-FR"/>
               <a:t>Quatrième niveau</a:t>
             </a:r>
           </a:p>
           <a:p>
             <a:pPr lvl="4"/>
             <a:r>
-              <a:rPr lang="fr-FR" smtClean="0"/>
+              <a:rPr lang="fr-FR"/>
               <a:t>Cinquième niveau</a:t>
             </a:r>
             <a:endParaRPr lang="en-US" dirty="0"/>
@@ -3637,7 +3569,7 @@
           <a:p>
             <a:pPr lvl="0"/>
             <a:r>
-              <a:rPr lang="fr-FR" smtClean="0"/>
+              <a:rPr lang="fr-FR"/>
               <a:t>Modifiez les styles du texte du masque</a:t>
             </a:r>
           </a:p>
@@ -3693,35 +3625,35 @@
           <a:p>
             <a:pPr lvl="0"/>
             <a:r>
-              <a:rPr lang="fr-FR" smtClean="0"/>
+              <a:rPr lang="fr-FR"/>
               <a:t>Modifiez les styles du texte du masque</a:t>
             </a:r>
           </a:p>
           <a:p>
             <a:pPr lvl="1"/>
             <a:r>
-              <a:rPr lang="fr-FR" smtClean="0"/>
+              <a:rPr lang="fr-FR"/>
               <a:t>Deuxième niveau</a:t>
             </a:r>
           </a:p>
           <a:p>
             <a:pPr lvl="2"/>
             <a:r>
-              <a:rPr lang="fr-FR" smtClean="0"/>
+              <a:rPr lang="fr-FR"/>
               <a:t>Troisième niveau</a:t>
             </a:r>
           </a:p>
           <a:p>
             <a:pPr lvl="3"/>
             <a:r>
-              <a:rPr lang="fr-FR" smtClean="0"/>
+              <a:rPr lang="fr-FR"/>
               <a:t>Quatrième niveau</a:t>
             </a:r>
           </a:p>
           <a:p>
             <a:pPr lvl="4"/>
             <a:r>
-              <a:rPr lang="fr-FR" smtClean="0"/>
+              <a:rPr lang="fr-FR"/>
               <a:t>Cinquième niveau</a:t>
             </a:r>
             <a:endParaRPr lang="en-US" dirty="0"/>
@@ -3830,7 +3762,7 @@
             <a:lstStyle/>
             <a:p>
               <a:r>
-                <a:rPr lang="en-US" sz="5400" dirty="0" smtClean="0">
+                <a:rPr lang="en-US" sz="5400" dirty="0">
                   <a:solidFill>
                     <a:schemeClr val="tx2">
                       <a:lumMod val="60000"/>
@@ -3841,15 +3773,6 @@
                 </a:rPr>
                 <a:t></a:t>
               </a:r>
-              <a:endParaRPr lang="en-US" sz="5400" dirty="0">
-                <a:solidFill>
-                  <a:schemeClr val="tx2">
-                    <a:lumMod val="60000"/>
-                    <a:lumOff val="40000"/>
-                  </a:schemeClr>
-                </a:solidFill>
-                <a:latin typeface="Wingdings" pitchFamily="2" charset="2"/>
-              </a:endParaRPr>
             </a:p>
           </p:txBody>
         </p:sp>
@@ -3973,7 +3896,7 @@
           <a:lstStyle/>
           <a:p>
             <a:r>
-              <a:rPr lang="fr-FR" smtClean="0"/>
+              <a:rPr lang="fr-FR"/>
               <a:t>Modifiez le style du titre</a:t>
             </a:r>
             <a:endParaRPr lang="en-US" dirty="0"/>
@@ -4082,7 +4005,7 @@
             <a:lstStyle/>
             <a:p>
               <a:r>
-                <a:rPr lang="en-US" sz="5400" dirty="0" smtClean="0">
+                <a:rPr lang="en-US" sz="5400" dirty="0">
                   <a:solidFill>
                     <a:schemeClr val="tx2">
                       <a:lumMod val="60000"/>
@@ -4093,15 +4016,6 @@
                 </a:rPr>
                 <a:t></a:t>
               </a:r>
-              <a:endParaRPr lang="en-US" sz="5400" dirty="0">
-                <a:solidFill>
-                  <a:schemeClr val="tx2">
-                    <a:lumMod val="60000"/>
-                    <a:lumOff val="40000"/>
-                  </a:schemeClr>
-                </a:solidFill>
-                <a:latin typeface="Wingdings" pitchFamily="2" charset="2"/>
-              </a:endParaRPr>
             </a:p>
           </p:txBody>
         </p:sp>
@@ -4324,7 +4238,7 @@
           </a:lstStyle>
           <a:p>
             <a:r>
-              <a:rPr lang="fr-FR" smtClean="0"/>
+              <a:rPr lang="fr-FR"/>
               <a:t>Modifiez le style du titre</a:t>
             </a:r>
             <a:endParaRPr lang="en-US"/>
@@ -4381,35 +4295,35 @@
           <a:p>
             <a:pPr lvl="0"/>
             <a:r>
-              <a:rPr lang="fr-FR" smtClean="0"/>
+              <a:rPr lang="fr-FR"/>
               <a:t>Modifiez les styles du texte du masque</a:t>
             </a:r>
           </a:p>
           <a:p>
             <a:pPr lvl="1"/>
             <a:r>
-              <a:rPr lang="fr-FR" smtClean="0"/>
+              <a:rPr lang="fr-FR"/>
               <a:t>Deuxième niveau</a:t>
             </a:r>
           </a:p>
           <a:p>
             <a:pPr lvl="2"/>
             <a:r>
-              <a:rPr lang="fr-FR" smtClean="0"/>
+              <a:rPr lang="fr-FR"/>
               <a:t>Troisième niveau</a:t>
             </a:r>
           </a:p>
           <a:p>
             <a:pPr lvl="3"/>
             <a:r>
-              <a:rPr lang="fr-FR" smtClean="0"/>
+              <a:rPr lang="fr-FR"/>
               <a:t>Quatrième niveau</a:t>
             </a:r>
           </a:p>
           <a:p>
             <a:pPr lvl="4"/>
             <a:r>
-              <a:rPr lang="fr-FR" smtClean="0"/>
+              <a:rPr lang="fr-FR"/>
               <a:t>Cinquième niveau</a:t>
             </a:r>
             <a:endParaRPr lang="en-US" dirty="0"/>
@@ -4477,7 +4391,7 @@
           <a:p>
             <a:pPr lvl="0"/>
             <a:r>
-              <a:rPr lang="fr-FR" smtClean="0"/>
+              <a:rPr lang="fr-FR"/>
               <a:t>Modifiez les styles du texte du masque</a:t>
             </a:r>
           </a:p>
@@ -4598,7 +4512,7 @@
           </a:lstStyle>
           <a:p>
             <a:r>
-              <a:rPr lang="fr-FR" smtClean="0"/>
+              <a:rPr lang="fr-FR"/>
               <a:t>Modifiez le style du titre</a:t>
             </a:r>
             <a:endParaRPr lang="en-US"/>
@@ -4695,7 +4609,7 @@
           </a:lstStyle>
           <a:p>
             <a:r>
-              <a:rPr lang="fr-FR" smtClean="0"/>
+              <a:rPr lang="fr-FR"/>
               <a:t>Cliquez sur l'icône pour ajouter une image</a:t>
             </a:r>
             <a:endParaRPr lang="en-US" dirty="0"/>
@@ -4763,7 +4677,7 @@
           <a:p>
             <a:pPr lvl="0"/>
             <a:r>
-              <a:rPr lang="fr-FR" smtClean="0"/>
+              <a:rPr lang="fr-FR"/>
               <a:t>Modifiez les styles du texte du masque</a:t>
             </a:r>
           </a:p>
@@ -4952,7 +4866,7 @@
           <a:lstStyle/>
           <a:p>
             <a:r>
-              <a:rPr lang="fr-FR" smtClean="0"/>
+              <a:rPr lang="fr-FR"/>
               <a:t>Modifiez le style du titre</a:t>
             </a:r>
             <a:endParaRPr lang="en-US" dirty="0"/>
@@ -4986,35 +4900,35 @@
           <a:p>
             <a:pPr lvl="0"/>
             <a:r>
-              <a:rPr lang="fr-FR" smtClean="0"/>
+              <a:rPr lang="fr-FR"/>
               <a:t>Modifiez les styles du texte du masque</a:t>
             </a:r>
           </a:p>
           <a:p>
             <a:pPr lvl="1"/>
             <a:r>
-              <a:rPr lang="fr-FR" smtClean="0"/>
+              <a:rPr lang="fr-FR"/>
               <a:t>Deuxième niveau</a:t>
             </a:r>
           </a:p>
           <a:p>
             <a:pPr lvl="2"/>
             <a:r>
-              <a:rPr lang="fr-FR" smtClean="0"/>
+              <a:rPr lang="fr-FR"/>
               <a:t>Troisième niveau</a:t>
             </a:r>
           </a:p>
           <a:p>
             <a:pPr lvl="3"/>
             <a:r>
-              <a:rPr lang="fr-FR" smtClean="0"/>
+              <a:rPr lang="fr-FR"/>
               <a:t>Quatrième niveau</a:t>
             </a:r>
           </a:p>
           <a:p>
             <a:pPr lvl="4"/>
             <a:r>
-              <a:rPr lang="fr-FR" smtClean="0"/>
+              <a:rPr lang="fr-FR"/>
               <a:t>Cinquième niveau</a:t>
             </a:r>
             <a:endParaRPr lang="en-US" dirty="0"/>
@@ -5541,7 +5455,7 @@
           <a:lstStyle/>
           <a:p>
             <a:r>
-              <a:rPr lang="fr-CH" dirty="0" err="1" smtClean="0"/>
+              <a:rPr lang="fr-CH" dirty="0" err="1"/>
               <a:t>Runner</a:t>
             </a:r>
             <a:endParaRPr lang="fr-CH" dirty="0"/>
@@ -5564,16 +5478,15 @@
           <a:lstStyle/>
           <a:p>
             <a:r>
-              <a:rPr lang="fr-CH" dirty="0" smtClean="0"/>
+              <a:rPr lang="fr-CH" dirty="0"/>
               <a:t>Présenté par Damien Gygi, Lancelot Magnin</a:t>
             </a:r>
           </a:p>
           <a:p>
             <a:r>
-              <a:rPr lang="fr-CH" dirty="0" smtClean="0"/>
+              <a:rPr lang="fr-CH" dirty="0"/>
               <a:t>Projet HES-ETE</a:t>
             </a:r>
-            <a:endParaRPr lang="fr-CH" dirty="0"/>
           </a:p>
         </p:txBody>
       </p:sp>
@@ -5630,13 +5543,6 @@
   <p:clrMapOvr>
     <a:masterClrMapping/>
   </p:clrMapOvr>
-  <p:timing>
-    <p:tnLst>
-      <p:par>
-        <p:cTn id="1" dur="indefinite" restart="never" nodeType="tmRoot"/>
-      </p:par>
-    </p:tnLst>
-  </p:timing>
 </p:sld>
 </file>
 
@@ -5673,10 +5579,9 @@
           <a:lstStyle/>
           <a:p>
             <a:r>
-              <a:rPr lang="fr-CH" dirty="0" smtClean="0"/>
+              <a:rPr lang="fr-CH" dirty="0"/>
               <a:t>Questions ?</a:t>
             </a:r>
-            <a:endParaRPr lang="fr-CH" dirty="0"/>
           </a:p>
         </p:txBody>
       </p:sp>
@@ -5719,13 +5624,6 @@
   <p:clrMapOvr>
     <a:masterClrMapping/>
   </p:clrMapOvr>
-  <p:timing>
-    <p:tnLst>
-      <p:par>
-        <p:cTn id="1" dur="indefinite" restart="never" nodeType="tmRoot"/>
-      </p:par>
-    </p:tnLst>
-  </p:timing>
 </p:sld>
 </file>
 
@@ -5761,7 +5659,7 @@
           <a:bodyPr/>
           <a:lstStyle/>
           <a:p>
-            <a:endParaRPr lang="fr-CH" dirty="0" smtClean="0"/>
+            <a:endParaRPr lang="fr-CH" dirty="0"/>
           </a:p>
           <a:p>
             <a:endParaRPr lang="fr-CH" dirty="0"/>
@@ -5784,10 +5682,9 @@
           <a:lstStyle/>
           <a:p>
             <a:r>
-              <a:rPr lang="fr-CH" dirty="0" smtClean="0"/>
+              <a:rPr lang="fr-CH" dirty="0"/>
               <a:t>Sommaire</a:t>
             </a:r>
-            <a:endParaRPr lang="fr-CH" dirty="0"/>
           </a:p>
         </p:txBody>
       </p:sp>
@@ -5801,13 +5698,6 @@
   <p:clrMapOvr>
     <a:masterClrMapping/>
   </p:clrMapOvr>
-  <p:timing>
-    <p:tnLst>
-      <p:par>
-        <p:cTn id="1" dur="indefinite" restart="never" nodeType="tmRoot"/>
-      </p:par>
-    </p:tnLst>
-  </p:timing>
 </p:sld>
 </file>
 
@@ -5844,17 +5734,17 @@
           <a:lstStyle/>
           <a:p>
             <a:r>
-              <a:rPr lang="fr-CH" dirty="0" err="1" smtClean="0"/>
+              <a:rPr lang="fr-CH" dirty="0" err="1"/>
               <a:t>Platformer</a:t>
             </a:r>
             <a:r>
-              <a:rPr lang="fr-CH" dirty="0" smtClean="0"/>
+              <a:rPr lang="fr-CH" dirty="0"/>
               <a:t> 2D</a:t>
             </a:r>
           </a:p>
           <a:p>
             <a:r>
-              <a:rPr lang="fr-CH" dirty="0" err="1" smtClean="0"/>
+              <a:rPr lang="fr-CH" dirty="0" err="1"/>
               <a:t>Libgdx</a:t>
             </a:r>
             <a:endParaRPr lang="fr-CH" dirty="0"/>
@@ -5877,13 +5767,42 @@
           <a:lstStyle/>
           <a:p>
             <a:r>
-              <a:rPr lang="fr-CH" dirty="0" smtClean="0"/>
+              <a:rPr lang="fr-CH" dirty="0"/>
               <a:t>Introduction</a:t>
             </a:r>
-            <a:endParaRPr lang="fr-CH" dirty="0"/>
-          </a:p>
-        </p:txBody>
-      </p:sp>
+          </a:p>
+        </p:txBody>
+      </p:sp>
+      <p:pic>
+        <p:nvPicPr>
+          <p:cNvPr id="4" name="Image 3"/>
+          <p:cNvPicPr>
+            <a:picLocks noChangeAspect="1"/>
+          </p:cNvPicPr>
+          <p:nvPr/>
+        </p:nvPicPr>
+        <p:blipFill>
+          <a:blip r:embed="rId3">
+            <a:extLst>
+              <a:ext uri="{28A0092B-C50C-407E-A947-70E740481C1C}">
+                <a14:useLocalDpi xmlns:a14="http://schemas.microsoft.com/office/drawing/2010/main" val="0"/>
+              </a:ext>
+            </a:extLst>
+          </a:blip>
+          <a:stretch>
+            <a:fillRect/>
+          </a:stretch>
+        </p:blipFill>
+        <p:spPr>
+          <a:xfrm>
+            <a:off x="3131840" y="2780928"/>
+            <a:ext cx="5674345" cy="3706628"/>
+          </a:xfrm>
+          <a:prstGeom prst="rect">
+            <a:avLst/>
+          </a:prstGeom>
+        </p:spPr>
+      </p:pic>
     </p:spTree>
     <p:extLst>
       <p:ext uri="{BB962C8B-B14F-4D97-AF65-F5344CB8AC3E}">
@@ -5894,13 +5813,6 @@
   <p:clrMapOvr>
     <a:masterClrMapping/>
   </p:clrMapOvr>
-  <p:timing>
-    <p:tnLst>
-      <p:par>
-        <p:cTn id="1" dur="indefinite" restart="never" nodeType="tmRoot"/>
-      </p:par>
-    </p:tnLst>
-  </p:timing>
 </p:sld>
 </file>
 
@@ -5937,10 +5849,9 @@
           <a:lstStyle/>
           <a:p>
             <a:r>
-              <a:rPr lang="fr-CH" dirty="0" smtClean="0"/>
+              <a:rPr lang="fr-CH" dirty="0"/>
               <a:t>Conception - animations</a:t>
             </a:r>
-            <a:endParaRPr lang="fr-CH" dirty="0"/>
           </a:p>
         </p:txBody>
       </p:sp>
@@ -6002,13 +5913,6 @@
   <p:clrMapOvr>
     <a:masterClrMapping/>
   </p:clrMapOvr>
-  <p:timing>
-    <p:tnLst>
-      <p:par>
-        <p:cTn id="1" dur="indefinite" restart="never" nodeType="tmRoot"/>
-      </p:par>
-    </p:tnLst>
-  </p:timing>
 </p:sld>
 </file>
 
@@ -6029,14 +5933,43 @@
           <a:chExt cx="0" cy="0"/>
         </a:xfrm>
       </p:grpSpPr>
-      <p:sp>
-        <p:nvSpPr>
-          <p:cNvPr id="2" name="Espace réservé du contenu 1"/>
-          <p:cNvSpPr>
-            <a:spLocks noGrp="1"/>
-          </p:cNvSpPr>
+      <p:pic>
+        <p:nvPicPr>
+          <p:cNvPr id="4" name="Espace réservé du contenu 3"/>
+          <p:cNvPicPr>
+            <a:picLocks noGrp="1" noChangeAspect="1"/>
+          </p:cNvPicPr>
           <p:nvPr>
             <p:ph idx="1"/>
+          </p:nvPr>
+        </p:nvPicPr>
+        <p:blipFill>
+          <a:blip r:embed="rId3">
+            <a:extLst>
+              <a:ext uri="{28A0092B-C50C-407E-A947-70E740481C1C}">
+                <a14:useLocalDpi xmlns:a14="http://schemas.microsoft.com/office/drawing/2010/main" val="0"/>
+              </a:ext>
+            </a:extLst>
+          </a:blip>
+          <a:stretch>
+            <a:fillRect/>
+          </a:stretch>
+        </p:blipFill>
+        <p:spPr>
+          <a:xfrm>
+            <a:off x="2226361" y="2420888"/>
+            <a:ext cx="4680519" cy="3716883"/>
+          </a:xfrm>
+        </p:spPr>
+      </p:pic>
+      <p:sp>
+        <p:nvSpPr>
+          <p:cNvPr id="3" name="Titre 2"/>
+          <p:cNvSpPr>
+            <a:spLocks noGrp="1"/>
+          </p:cNvSpPr>
+          <p:nvPr>
+            <p:ph type="title"/>
           </p:nvPr>
         </p:nvSpPr>
         <p:spPr/>
@@ -6044,30 +5977,10 @@
           <a:bodyPr/>
           <a:lstStyle/>
           <a:p>
-            <a:endParaRPr lang="fr-CH" dirty="0"/>
-          </a:p>
-        </p:txBody>
-      </p:sp>
-      <p:sp>
-        <p:nvSpPr>
-          <p:cNvPr id="3" name="Titre 2"/>
-          <p:cNvSpPr>
-            <a:spLocks noGrp="1"/>
-          </p:cNvSpPr>
-          <p:nvPr>
-            <p:ph type="title"/>
-          </p:nvPr>
-        </p:nvSpPr>
-        <p:spPr/>
-        <p:txBody>
-          <a:bodyPr/>
-          <a:lstStyle/>
-          <a:p>
-            <a:r>
-              <a:rPr lang="fr-CH" dirty="0" smtClean="0"/>
+            <a:r>
+              <a:rPr lang="fr-CH" dirty="0"/>
               <a:t>Conception-Architecture</a:t>
             </a:r>
-            <a:endParaRPr lang="fr-CH" dirty="0"/>
           </a:p>
         </p:txBody>
       </p:sp>
@@ -6117,7 +6030,7 @@
           <a:lstStyle/>
           <a:p>
             <a:r>
-              <a:rPr lang="fr-CH" dirty="0" smtClean="0"/>
+              <a:rPr lang="fr-CH" dirty="0"/>
               <a:t>Plusieurs formes</a:t>
             </a:r>
           </a:p>
@@ -6142,11 +6055,11 @@
           <a:lstStyle/>
           <a:p>
             <a:r>
-              <a:rPr lang="fr-CH" dirty="0" smtClean="0"/>
+              <a:rPr lang="fr-CH" dirty="0"/>
               <a:t>Conception - </a:t>
             </a:r>
             <a:r>
-              <a:rPr lang="fr-CH" dirty="0" err="1" smtClean="0"/>
+              <a:rPr lang="fr-CH" dirty="0" err="1"/>
               <a:t>hitBox</a:t>
             </a:r>
             <a:endParaRPr lang="fr-CH" dirty="0"/>
@@ -6175,7 +6088,7 @@
         </p:blipFill>
         <p:spPr>
           <a:xfrm>
-            <a:off x="3995936" y="1916832"/>
+            <a:off x="3851920" y="2420888"/>
             <a:ext cx="4050793" cy="4076190"/>
           </a:xfrm>
           <a:prstGeom prst="rect">
@@ -6253,10 +6166,9 @@
           <a:lstStyle/>
           <a:p>
             <a:r>
-              <a:rPr lang="fr-CH" dirty="0" smtClean="0"/>
+              <a:rPr lang="fr-CH" dirty="0"/>
               <a:t>Démonstration</a:t>
             </a:r>
-            <a:endParaRPr lang="fr-CH" dirty="0"/>
           </a:p>
         </p:txBody>
       </p:sp>
@@ -6270,13 +6182,6 @@
   <p:clrMapOvr>
     <a:masterClrMapping/>
   </p:clrMapOvr>
-  <p:timing>
-    <p:tnLst>
-      <p:par>
-        <p:cTn id="1" dur="indefinite" restart="never" nodeType="tmRoot"/>
-      </p:par>
-    </p:tnLst>
-  </p:timing>
 </p:sld>
 </file>
 
@@ -6313,10 +6218,9 @@
           <a:lstStyle/>
           <a:p>
             <a:r>
-              <a:rPr lang="fr-CH" dirty="0" smtClean="0"/>
+              <a:rPr lang="fr-CH" dirty="0"/>
               <a:t>Organisation</a:t>
             </a:r>
-            <a:endParaRPr lang="fr-CH" dirty="0"/>
           </a:p>
         </p:txBody>
       </p:sp>
@@ -6330,13 +6234,13 @@
             <p:ph idx="1"/>
             <p:extLst>
               <p:ext uri="{D42A27DB-BD31-4B8C-83A1-F6EECF244321}">
-                <p14:modId xmlns:p14="http://schemas.microsoft.com/office/powerpoint/2010/main" val="1954287725"/>
+                <p14:modId xmlns:p14="http://schemas.microsoft.com/office/powerpoint/2010/main" val="1278542011"/>
               </p:ext>
             </p:extLst>
           </p:nvPr>
         </p:nvGraphicFramePr>
         <p:xfrm>
-          <a:off x="698500" y="2247900"/>
+          <a:off x="688490" y="3356992"/>
           <a:ext cx="7746999" cy="1854200"/>
         </p:xfrm>
         <a:graphic>
@@ -6346,9 +6250,27 @@
                 <a:tableStyleId>{5C22544A-7EE6-4342-B048-85BDC9FD1C3A}</a:tableStyleId>
               </a:tblPr>
               <a:tblGrid>
-                <a:gridCol w="2582333"/>
-                <a:gridCol w="2731327"/>
-                <a:gridCol w="2433339"/>
+                <a:gridCol w="2582333">
+                  <a:extLst>
+                    <a:ext uri="{9D8B030D-6E8A-4147-A177-3AD203B41FA5}">
+                      <a16:colId xmlns:a16="http://schemas.microsoft.com/office/drawing/2014/main" val="20000"/>
+                    </a:ext>
+                  </a:extLst>
+                </a:gridCol>
+                <a:gridCol w="2731327">
+                  <a:extLst>
+                    <a:ext uri="{9D8B030D-6E8A-4147-A177-3AD203B41FA5}">
+                      <a16:colId xmlns:a16="http://schemas.microsoft.com/office/drawing/2014/main" val="20001"/>
+                    </a:ext>
+                  </a:extLst>
+                </a:gridCol>
+                <a:gridCol w="2433339">
+                  <a:extLst>
+                    <a:ext uri="{9D8B030D-6E8A-4147-A177-3AD203B41FA5}">
+                      <a16:colId xmlns:a16="http://schemas.microsoft.com/office/drawing/2014/main" val="20002"/>
+                    </a:ext>
+                  </a:extLst>
+                </a:gridCol>
               </a:tblGrid>
               <a:tr h="370840">
                 <a:tc>
@@ -6367,10 +6289,9 @@
                     <a:lstStyle/>
                     <a:p>
                       <a:r>
-                        <a:rPr lang="fr-CH" dirty="0" smtClean="0"/>
+                        <a:rPr lang="fr-CH" dirty="0"/>
                         <a:t>Damien</a:t>
                       </a:r>
-                      <a:endParaRPr lang="fr-CH" dirty="0"/>
                     </a:p>
                   </a:txBody>
                   <a:tcPr/>
@@ -6381,14 +6302,18 @@
                     <a:lstStyle/>
                     <a:p>
                       <a:r>
-                        <a:rPr lang="fr-CH" dirty="0" smtClean="0"/>
+                        <a:rPr lang="fr-CH" dirty="0"/>
                         <a:t>Lancelot</a:t>
                       </a:r>
-                      <a:endParaRPr lang="fr-CH" dirty="0"/>
                     </a:p>
                   </a:txBody>
                   <a:tcPr/>
                 </a:tc>
+                <a:extLst>
+                  <a:ext uri="{0D108BD9-81ED-4DB2-BD59-A6C34878D82A}">
+                    <a16:rowId xmlns:a16="http://schemas.microsoft.com/office/drawing/2014/main" val="10000"/>
+                  </a:ext>
+                </a:extLst>
               </a:tr>
               <a:tr h="370840">
                 <a:tc>
@@ -6397,14 +6322,13 @@
                     <a:lstStyle/>
                     <a:p>
                       <a:r>
-                        <a:rPr lang="fr-CH" dirty="0" err="1" smtClean="0"/>
+                        <a:rPr lang="fr-CH" dirty="0" err="1"/>
                         <a:t>Map</a:t>
                       </a:r>
                       <a:r>
-                        <a:rPr lang="fr-CH" dirty="0" smtClean="0"/>
+                        <a:rPr lang="fr-CH" dirty="0"/>
                         <a:t> </a:t>
                       </a:r>
-                      <a:endParaRPr lang="fr-CH" dirty="0"/>
                     </a:p>
                   </a:txBody>
                   <a:tcPr/>
@@ -6415,18 +6339,17 @@
                     <a:lstStyle/>
                     <a:p>
                       <a:r>
-                        <a:rPr lang="fr-CH" dirty="0" smtClean="0"/>
+                        <a:rPr lang="fr-CH" dirty="0"/>
                         <a:t>Intégration</a:t>
                       </a:r>
                       <a:r>
-                        <a:rPr lang="fr-CH" baseline="0" dirty="0" smtClean="0"/>
+                        <a:rPr lang="fr-CH" baseline="0" dirty="0"/>
                         <a:t> </a:t>
                       </a:r>
                       <a:r>
-                        <a:rPr lang="fr-CH" dirty="0" smtClean="0"/>
+                        <a:rPr lang="fr-CH" dirty="0"/>
                         <a:t>d’un niveau</a:t>
                       </a:r>
-                      <a:endParaRPr lang="fr-CH" dirty="0"/>
                     </a:p>
                   </a:txBody>
                   <a:tcPr/>
@@ -6437,14 +6360,18 @@
                     <a:lstStyle/>
                     <a:p>
                       <a:r>
-                        <a:rPr lang="fr-CH" dirty="0" smtClean="0"/>
+                        <a:rPr lang="fr-CH" dirty="0"/>
                         <a:t>Collisions</a:t>
                       </a:r>
-                      <a:endParaRPr lang="fr-CH" dirty="0"/>
                     </a:p>
                   </a:txBody>
                   <a:tcPr/>
                 </a:tc>
+                <a:extLst>
+                  <a:ext uri="{0D108BD9-81ED-4DB2-BD59-A6C34878D82A}">
+                    <a16:rowId xmlns:a16="http://schemas.microsoft.com/office/drawing/2014/main" val="10001"/>
+                  </a:ext>
+                </a:extLst>
               </a:tr>
               <a:tr h="370840">
                 <a:tc>
@@ -6453,10 +6380,9 @@
                     <a:lstStyle/>
                     <a:p>
                       <a:r>
-                        <a:rPr lang="fr-CH" dirty="0" smtClean="0"/>
+                        <a:rPr lang="fr-CH" dirty="0"/>
                         <a:t>Joueur</a:t>
                       </a:r>
-                      <a:endParaRPr lang="fr-CH" dirty="0"/>
                     </a:p>
                   </a:txBody>
                   <a:tcPr/>
@@ -6467,10 +6393,9 @@
                     <a:lstStyle/>
                     <a:p>
                       <a:r>
-                        <a:rPr lang="fr-CH" dirty="0" smtClean="0"/>
+                        <a:rPr lang="fr-CH" dirty="0"/>
                         <a:t>Caméra</a:t>
                       </a:r>
-                      <a:endParaRPr lang="fr-CH" dirty="0"/>
                     </a:p>
                   </a:txBody>
                   <a:tcPr/>
@@ -6481,14 +6406,18 @@
                     <a:lstStyle/>
                     <a:p>
                       <a:r>
-                        <a:rPr lang="fr-CH" dirty="0" smtClean="0"/>
+                        <a:rPr lang="fr-CH" dirty="0"/>
                         <a:t>Déplacements</a:t>
                       </a:r>
-                      <a:endParaRPr lang="fr-CH" dirty="0"/>
                     </a:p>
                   </a:txBody>
                   <a:tcPr/>
                 </a:tc>
+                <a:extLst>
+                  <a:ext uri="{0D108BD9-81ED-4DB2-BD59-A6C34878D82A}">
+                    <a16:rowId xmlns:a16="http://schemas.microsoft.com/office/drawing/2014/main" val="10002"/>
+                  </a:ext>
+                </a:extLst>
               </a:tr>
               <a:tr h="370840">
                 <a:tc>
@@ -6497,10 +6426,9 @@
                     <a:lstStyle/>
                     <a:p>
                       <a:r>
-                        <a:rPr lang="fr-CH" dirty="0" smtClean="0"/>
+                        <a:rPr lang="fr-CH" dirty="0"/>
                         <a:t>Interface</a:t>
                       </a:r>
-                      <a:endParaRPr lang="fr-CH" dirty="0"/>
                     </a:p>
                   </a:txBody>
                   <a:tcPr/>
@@ -6511,10 +6439,9 @@
                     <a:lstStyle/>
                     <a:p>
                       <a:r>
-                        <a:rPr lang="fr-CH" dirty="0" smtClean="0"/>
+                        <a:rPr lang="fr-CH" dirty="0"/>
                         <a:t>HUD et niveaux</a:t>
                       </a:r>
-                      <a:endParaRPr lang="fr-CH" dirty="0"/>
                     </a:p>
                   </a:txBody>
                   <a:tcPr/>
@@ -6525,7 +6452,7 @@
                     <a:lstStyle/>
                     <a:p>
                       <a:r>
-                        <a:rPr lang="fr-CH" dirty="0" err="1" smtClean="0"/>
+                        <a:rPr lang="fr-CH" dirty="0" err="1"/>
                         <a:t>BackGround</a:t>
                       </a:r>
                       <a:endParaRPr lang="fr-CH" dirty="0"/>
@@ -6533,6 +6460,11 @@
                   </a:txBody>
                   <a:tcPr/>
                 </a:tc>
+                <a:extLst>
+                  <a:ext uri="{0D108BD9-81ED-4DB2-BD59-A6C34878D82A}">
+                    <a16:rowId xmlns:a16="http://schemas.microsoft.com/office/drawing/2014/main" val="10003"/>
+                  </a:ext>
+                </a:extLst>
               </a:tr>
               <a:tr h="370840">
                 <a:tc>
@@ -6560,11 +6492,16 @@
                     <a:bodyPr/>
                     <a:lstStyle/>
                     <a:p>
-                      <a:endParaRPr lang="fr-CH"/>
+                      <a:endParaRPr lang="fr-CH" dirty="0"/>
                     </a:p>
                   </a:txBody>
                   <a:tcPr/>
                 </a:tc>
+                <a:extLst>
+                  <a:ext uri="{0D108BD9-81ED-4DB2-BD59-A6C34878D82A}">
+                    <a16:rowId xmlns:a16="http://schemas.microsoft.com/office/drawing/2014/main" val="10004"/>
+                  </a:ext>
+                </a:extLst>
               </a:tr>
             </a:tbl>
           </a:graphicData>
@@ -6616,28 +6553,27 @@
           <a:lstStyle/>
           <a:p>
             <a:r>
-              <a:rPr lang="fr-CH" dirty="0" smtClean="0"/>
+              <a:rPr lang="fr-CH" dirty="0"/>
               <a:t>Menu pour choisir des niveaux</a:t>
             </a:r>
           </a:p>
           <a:p>
             <a:r>
-              <a:rPr lang="fr-CH" dirty="0" smtClean="0"/>
+              <a:rPr lang="fr-CH" dirty="0"/>
               <a:t>Objets bonus et déplaçables</a:t>
             </a:r>
           </a:p>
           <a:p>
             <a:r>
-              <a:rPr lang="fr-CH" dirty="0" smtClean="0"/>
+              <a:rPr lang="fr-CH" dirty="0"/>
               <a:t>Contenu sonore</a:t>
             </a:r>
           </a:p>
           <a:p>
             <a:r>
-              <a:rPr lang="fr-CH" dirty="0" smtClean="0"/>
+              <a:rPr lang="fr-CH" dirty="0"/>
               <a:t>Niveaux plus complexes (énigmes) </a:t>
             </a:r>
-            <a:endParaRPr lang="fr-CH" dirty="0"/>
           </a:p>
         </p:txBody>
       </p:sp>
@@ -6657,10 +6593,9 @@
           <a:lstStyle/>
           <a:p>
             <a:r>
-              <a:rPr lang="fr-CH" dirty="0" smtClean="0"/>
+              <a:rPr lang="fr-CH" dirty="0"/>
               <a:t>Améliorations possibles</a:t>
             </a:r>
-            <a:endParaRPr lang="fr-CH" dirty="0"/>
           </a:p>
         </p:txBody>
       </p:sp>
@@ -6674,13 +6609,6 @@
   <p:clrMapOvr>
     <a:masterClrMapping/>
   </p:clrMapOvr>
-  <p:timing>
-    <p:tnLst>
-      <p:par>
-        <p:cTn id="1" dur="indefinite" restart="never" nodeType="tmRoot"/>
-      </p:par>
-    </p:tnLst>
-  </p:timing>
 </p:sld>
 </file>
 

--- a/Admimistatif/Presentation.pptx
+++ b/Admimistatif/Presentation.pptx
@@ -5,7 +5,7 @@
     <p:sldMasterId id="2147483660" r:id="rId1"/>
   </p:sldMasterIdLst>
   <p:notesMasterIdLst>
-    <p:notesMasterId r:id="rId12"/>
+    <p:notesMasterId r:id="rId13"/>
   </p:notesMasterIdLst>
   <p:sldIdLst>
     <p:sldId id="256" r:id="rId2"/>
@@ -13,11 +13,12 @@
     <p:sldId id="266" r:id="rId4"/>
     <p:sldId id="267" r:id="rId5"/>
     <p:sldId id="268" r:id="rId6"/>
-    <p:sldId id="269" r:id="rId7"/>
-    <p:sldId id="264" r:id="rId8"/>
-    <p:sldId id="265" r:id="rId9"/>
-    <p:sldId id="262" r:id="rId10"/>
-    <p:sldId id="263" r:id="rId11"/>
+    <p:sldId id="270" r:id="rId7"/>
+    <p:sldId id="269" r:id="rId8"/>
+    <p:sldId id="264" r:id="rId9"/>
+    <p:sldId id="265" r:id="rId10"/>
+    <p:sldId id="262" r:id="rId11"/>
+    <p:sldId id="263" r:id="rId12"/>
   </p:sldIdLst>
   <p:sldSz cx="9144000" cy="6858000" type="screen4x3"/>
   <p:notesSz cx="6858000" cy="9144000"/>
@@ -217,7 +218,7 @@
           <a:p>
             <a:fld id="{CC6C08FC-58E4-420C-A4FD-6358B9EB482C}" type="datetimeFigureOut">
               <a:rPr lang="fr-CH" smtClean="0"/>
-              <a:t>08.09.2016</a:t>
+              <a:t>09.09.2016</a:t>
             </a:fld>
             <a:endParaRPr lang="fr-CH"/>
           </a:p>
@@ -818,52 +819,6 @@
           <a:bodyPr/>
           <a:lstStyle/>
           <a:p>
-            <a:r>
-              <a:rPr lang="fr-CH" dirty="0"/>
-              <a:t> </a:t>
-            </a:r>
-            <a:r>
-              <a:rPr lang="fr-CH" dirty="0" err="1"/>
-              <a:t>gameStage</a:t>
-            </a:r>
-            <a:r>
-              <a:rPr lang="fr-CH" dirty="0"/>
-              <a:t> (</a:t>
-            </a:r>
-            <a:r>
-              <a:rPr lang="fr-CH" dirty="0" err="1"/>
-              <a:t>scene</a:t>
-            </a:r>
-            <a:r>
-              <a:rPr lang="fr-CH" dirty="0"/>
-              <a:t>)</a:t>
-            </a:r>
-            <a:r>
-              <a:rPr lang="fr-CH" baseline="0" dirty="0"/>
-              <a:t> contient les </a:t>
-            </a:r>
-            <a:r>
-              <a:rPr lang="fr-CH" baseline="0" dirty="0" err="1"/>
-              <a:t>elements</a:t>
-            </a:r>
-            <a:r>
-              <a:rPr lang="fr-CH" baseline="0" dirty="0"/>
-              <a:t> de jeu.</a:t>
-            </a:r>
-          </a:p>
-          <a:p>
-            <a:r>
-              <a:rPr lang="fr-CH" baseline="0" dirty="0"/>
-              <a:t>Deux boucles, une pour les calculs (position </a:t>
-            </a:r>
-            <a:r>
-              <a:rPr lang="fr-CH" baseline="0" dirty="0" err="1"/>
-              <a:t>etc</a:t>
-            </a:r>
-            <a:r>
-              <a:rPr lang="fr-CH" baseline="0" dirty="0"/>
-              <a:t>) et une pour le rendu (graphique…)</a:t>
-            </a:r>
             <a:endParaRPr lang="fr-CH" dirty="0"/>
           </a:p>
         </p:txBody>
@@ -987,7 +942,7 @@
           <a:p>
             <a:fld id="{1723C952-8087-44AE-BD64-9C59D2DE6B24}" type="slidenum">
               <a:rPr lang="fr-CH" smtClean="0"/>
-              <a:t>6</a:t>
+              <a:t>7</a:t>
             </a:fld>
             <a:endParaRPr lang="fr-CH"/>
           </a:p>
@@ -1071,7 +1026,7 @@
           <a:p>
             <a:fld id="{1723C952-8087-44AE-BD64-9C59D2DE6B24}" type="slidenum">
               <a:rPr lang="fr-CH" smtClean="0"/>
-              <a:t>7</a:t>
+              <a:t>8</a:t>
             </a:fld>
             <a:endParaRPr lang="fr-CH"/>
           </a:p>
@@ -1155,7 +1110,7 @@
           <a:p>
             <a:fld id="{1723C952-8087-44AE-BD64-9C59D2DE6B24}" type="slidenum">
               <a:rPr lang="fr-CH" smtClean="0"/>
-              <a:t>9</a:t>
+              <a:t>10</a:t>
             </a:fld>
             <a:endParaRPr lang="fr-CH"/>
           </a:p>
@@ -1245,7 +1200,7 @@
           <a:p>
             <a:fld id="{49D6A521-9AD2-4B66-A862-FAA159BAE7C0}" type="datetimeFigureOut">
               <a:rPr lang="fr-CH" smtClean="0"/>
-              <a:t>08.09.2016</a:t>
+              <a:t>09.09.2016</a:t>
             </a:fld>
             <a:endParaRPr lang="fr-CH"/>
           </a:p>
@@ -1748,7 +1703,7 @@
           <a:p>
             <a:fld id="{49D6A521-9AD2-4B66-A862-FAA159BAE7C0}" type="datetimeFigureOut">
               <a:rPr lang="fr-CH" smtClean="0"/>
-              <a:t>08.09.2016</a:t>
+              <a:t>09.09.2016</a:t>
             </a:fld>
             <a:endParaRPr lang="fr-CH"/>
           </a:p>
@@ -2053,7 +2008,7 @@
           <a:p>
             <a:fld id="{49D6A521-9AD2-4B66-A862-FAA159BAE7C0}" type="datetimeFigureOut">
               <a:rPr lang="fr-CH" smtClean="0"/>
-              <a:t>08.09.2016</a:t>
+              <a:t>09.09.2016</a:t>
             </a:fld>
             <a:endParaRPr lang="fr-CH"/>
           </a:p>
@@ -2330,7 +2285,7 @@
           <a:p>
             <a:fld id="{49D6A521-9AD2-4B66-A862-FAA159BAE7C0}" type="datetimeFigureOut">
               <a:rPr lang="fr-CH" smtClean="0"/>
-              <a:t>08.09.2016</a:t>
+              <a:t>09.09.2016</a:t>
             </a:fld>
             <a:endParaRPr lang="fr-CH"/>
           </a:p>
@@ -2887,7 +2842,7 @@
           <a:p>
             <a:fld id="{49D6A521-9AD2-4B66-A862-FAA159BAE7C0}" type="datetimeFigureOut">
               <a:rPr lang="fr-CH" smtClean="0"/>
-              <a:t>08.09.2016</a:t>
+              <a:t>09.09.2016</a:t>
             </a:fld>
             <a:endParaRPr lang="fr-CH"/>
           </a:p>
@@ -2977,7 +2932,7 @@
           <a:p>
             <a:fld id="{49D6A521-9AD2-4B66-A862-FAA159BAE7C0}" type="datetimeFigureOut">
               <a:rPr lang="fr-CH" smtClean="0"/>
-              <a:t>08.09.2016</a:t>
+              <a:t>09.09.2016</a:t>
             </a:fld>
             <a:endParaRPr lang="fr-CH"/>
           </a:p>
@@ -3677,7 +3632,7 @@
           <a:p>
             <a:fld id="{49D6A521-9AD2-4B66-A862-FAA159BAE7C0}" type="datetimeFigureOut">
               <a:rPr lang="fr-CH" smtClean="0"/>
-              <a:t>08.09.2016</a:t>
+              <a:t>09.09.2016</a:t>
             </a:fld>
             <a:endParaRPr lang="fr-CH"/>
           </a:p>
@@ -3920,7 +3875,7 @@
           <a:p>
             <a:fld id="{49D6A521-9AD2-4B66-A862-FAA159BAE7C0}" type="datetimeFigureOut">
               <a:rPr lang="fr-CH" smtClean="0"/>
-              <a:t>08.09.2016</a:t>
+              <a:t>09.09.2016</a:t>
             </a:fld>
             <a:endParaRPr lang="fr-CH"/>
           </a:p>
@@ -4140,7 +4095,7 @@
           <a:p>
             <a:fld id="{49D6A521-9AD2-4B66-A862-FAA159BAE7C0}" type="datetimeFigureOut">
               <a:rPr lang="fr-CH" smtClean="0"/>
-              <a:t>08.09.2016</a:t>
+              <a:t>09.09.2016</a:t>
             </a:fld>
             <a:endParaRPr lang="fr-CH"/>
           </a:p>
@@ -4414,7 +4369,7 @@
           <a:p>
             <a:fld id="{49D6A521-9AD2-4B66-A862-FAA159BAE7C0}" type="datetimeFigureOut">
               <a:rPr lang="fr-CH" smtClean="0"/>
-              <a:t>08.09.2016</a:t>
+              <a:t>09.09.2016</a:t>
             </a:fld>
             <a:endParaRPr lang="fr-CH"/>
           </a:p>
@@ -4700,7 +4655,7 @@
           <a:p>
             <a:fld id="{49D6A521-9AD2-4B66-A862-FAA159BAE7C0}" type="datetimeFigureOut">
               <a:rPr lang="fr-CH" smtClean="0"/>
-              <a:t>08.09.2016</a:t>
+              <a:t>09.09.2016</a:t>
             </a:fld>
             <a:endParaRPr lang="fr-CH"/>
           </a:p>
@@ -4968,7 +4923,7 @@
           <a:p>
             <a:fld id="{49D6A521-9AD2-4B66-A862-FAA159BAE7C0}" type="datetimeFigureOut">
               <a:rPr lang="fr-CH" smtClean="0"/>
-              <a:t>08.09.2016</a:t>
+              <a:t>09.09.2016</a:t>
             </a:fld>
             <a:endParaRPr lang="fr-CH"/>
           </a:p>
@@ -5565,6 +5520,105 @@
       </p:grpSpPr>
       <p:sp>
         <p:nvSpPr>
+          <p:cNvPr id="2" name="Espace réservé du contenu 1"/>
+          <p:cNvSpPr>
+            <a:spLocks noGrp="1"/>
+          </p:cNvSpPr>
+          <p:nvPr>
+            <p:ph idx="1"/>
+          </p:nvPr>
+        </p:nvSpPr>
+        <p:spPr/>
+        <p:txBody>
+          <a:bodyPr/>
+          <a:lstStyle/>
+          <a:p>
+            <a:r>
+              <a:rPr lang="fr-CH" dirty="0"/>
+              <a:t>Menu pour choisir des niveaux</a:t>
+            </a:r>
+          </a:p>
+          <a:p>
+            <a:r>
+              <a:rPr lang="fr-CH" dirty="0"/>
+              <a:t>Objets bonus et déplaçables</a:t>
+            </a:r>
+          </a:p>
+          <a:p>
+            <a:r>
+              <a:rPr lang="fr-CH" dirty="0"/>
+              <a:t>Contenu sonore</a:t>
+            </a:r>
+          </a:p>
+          <a:p>
+            <a:r>
+              <a:rPr lang="fr-CH" dirty="0"/>
+              <a:t>Niveaux plus complexes (énigmes) </a:t>
+            </a:r>
+          </a:p>
+        </p:txBody>
+      </p:sp>
+      <p:sp>
+        <p:nvSpPr>
+          <p:cNvPr id="3" name="Titre 2"/>
+          <p:cNvSpPr>
+            <a:spLocks noGrp="1"/>
+          </p:cNvSpPr>
+          <p:nvPr>
+            <p:ph type="title"/>
+          </p:nvPr>
+        </p:nvSpPr>
+        <p:spPr/>
+        <p:txBody>
+          <a:bodyPr/>
+          <a:lstStyle/>
+          <a:p>
+            <a:r>
+              <a:rPr lang="fr-CH" dirty="0"/>
+              <a:t>Améliorations possibles</a:t>
+            </a:r>
+          </a:p>
+        </p:txBody>
+      </p:sp>
+    </p:spTree>
+    <p:extLst>
+      <p:ext uri="{BB962C8B-B14F-4D97-AF65-F5344CB8AC3E}">
+        <p14:creationId xmlns:p14="http://schemas.microsoft.com/office/powerpoint/2010/main" val="2639256084"/>
+      </p:ext>
+    </p:extLst>
+  </p:cSld>
+  <p:clrMapOvr>
+    <a:masterClrMapping/>
+  </p:clrMapOvr>
+  <p:timing>
+    <p:tnLst>
+      <p:par>
+        <p:cTn id="1" dur="indefinite" restart="never" nodeType="tmRoot"/>
+      </p:par>
+    </p:tnLst>
+  </p:timing>
+</p:sld>
+</file>
+
+<file path=ppt/slides/slide11.xml><?xml version="1.0" encoding="utf-8"?>
+<p:sld xmlns:a="http://schemas.openxmlformats.org/drawingml/2006/main" xmlns:r="http://schemas.openxmlformats.org/officeDocument/2006/relationships" xmlns:p="http://schemas.openxmlformats.org/presentationml/2006/main">
+  <p:cSld>
+    <p:spTree>
+      <p:nvGrpSpPr>
+        <p:cNvPr id="1" name=""/>
+        <p:cNvGrpSpPr/>
+        <p:nvPr/>
+      </p:nvGrpSpPr>
+      <p:grpSpPr>
+        <a:xfrm>
+          <a:off x="0" y="0"/>
+          <a:ext cx="0" cy="0"/>
+          <a:chOff x="0" y="0"/>
+          <a:chExt cx="0" cy="0"/>
+        </a:xfrm>
+      </p:grpSpPr>
+      <p:sp>
+        <p:nvSpPr>
           <p:cNvPr id="3" name="Titre 2"/>
           <p:cNvSpPr>
             <a:spLocks noGrp="1"/>
@@ -5609,7 +5663,7 @@
         </p:blipFill>
         <p:spPr>
           <a:xfrm>
-            <a:off x="3774710" y="2247900"/>
+            <a:off x="3769331" y="3861048"/>
             <a:ext cx="1594579" cy="3878263"/>
           </a:xfrm>
         </p:spPr>
@@ -5624,6 +5678,79 @@
   <p:clrMapOvr>
     <a:masterClrMapping/>
   </p:clrMapOvr>
+  <p:timing>
+    <p:tnLst>
+      <p:par>
+        <p:cTn id="1" dur="indefinite" restart="never" nodeType="tmRoot">
+          <p:childTnLst>
+            <p:seq concurrent="1" nextAc="seek">
+              <p:cTn id="2" dur="indefinite" nodeType="mainSeq">
+                <p:childTnLst>
+                  <p:par>
+                    <p:cTn id="3" fill="hold">
+                      <p:stCondLst>
+                        <p:cond delay="indefinite"/>
+                        <p:cond evt="onBegin" delay="0">
+                          <p:tn val="2"/>
+                        </p:cond>
+                      </p:stCondLst>
+                      <p:childTnLst>
+                        <p:par>
+                          <p:cTn id="4" fill="hold">
+                            <p:stCondLst>
+                              <p:cond delay="0"/>
+                            </p:stCondLst>
+                            <p:childTnLst>
+                              <p:par>
+                                <p:cTn id="5" presetID="42" presetClass="path" presetSubtype="0" accel="50000" decel="50000" fill="hold" nodeType="withEffect">
+                                  <p:stCondLst>
+                                    <p:cond delay="0"/>
+                                  </p:stCondLst>
+                                  <p:childTnLst>
+                                    <p:animMotion origin="layout" path="M 0.00017 0.12755 L 0.00017 -0.23009 " pathEditMode="relative" rAng="0" ptsTypes="AA">
+                                      <p:cBhvr>
+                                        <p:cTn id="6" dur="2000" fill="hold"/>
+                                        <p:tgtEl>
+                                          <p:spTgt spid="6"/>
+                                        </p:tgtEl>
+                                        <p:attrNameLst>
+                                          <p:attrName>ppt_x</p:attrName>
+                                          <p:attrName>ppt_y</p:attrName>
+                                        </p:attrNameLst>
+                                      </p:cBhvr>
+                                      <p:rCtr x="0" y="-17894"/>
+                                    </p:animMotion>
+                                  </p:childTnLst>
+                                </p:cTn>
+                              </p:par>
+                            </p:childTnLst>
+                          </p:cTn>
+                        </p:par>
+                      </p:childTnLst>
+                    </p:cTn>
+                  </p:par>
+                </p:childTnLst>
+              </p:cTn>
+              <p:prevCondLst>
+                <p:cond evt="onPrev" delay="0">
+                  <p:tgtEl>
+                    <p:sldTgt/>
+                  </p:tgtEl>
+                </p:cond>
+              </p:prevCondLst>
+              <p:nextCondLst>
+                <p:cond evt="onNext" delay="0">
+                  <p:tgtEl>
+                    <p:sldTgt/>
+                  </p:tgtEl>
+                </p:cond>
+              </p:nextCondLst>
+            </p:seq>
+          </p:childTnLst>
+        </p:cTn>
+      </p:par>
+    </p:tnLst>
+  </p:timing>
 </p:sld>
 </file>
 
@@ -5656,12 +5783,77 @@
         </p:nvSpPr>
         <p:spPr/>
         <p:txBody>
-          <a:bodyPr/>
+          <a:bodyPr>
+            <a:normAutofit lnSpcReduction="10000"/>
+          </a:bodyPr>
           <a:lstStyle/>
           <a:p>
             <a:endParaRPr lang="fr-CH" dirty="0"/>
           </a:p>
           <a:p>
+            <a:r>
+              <a:rPr lang="fr-CH" dirty="0" smtClean="0"/>
+              <a:t>Introduction</a:t>
+            </a:r>
+          </a:p>
+          <a:p>
+            <a:r>
+              <a:rPr lang="fr-CH" dirty="0" smtClean="0"/>
+              <a:t>Conception</a:t>
+            </a:r>
+          </a:p>
+          <a:p>
+            <a:pPr lvl="1"/>
+            <a:r>
+              <a:rPr lang="fr-CH" dirty="0" smtClean="0"/>
+              <a:t>Animations</a:t>
+            </a:r>
+          </a:p>
+          <a:p>
+            <a:pPr lvl="1"/>
+            <a:r>
+              <a:rPr lang="fr-CH" dirty="0" err="1" smtClean="0"/>
+              <a:t>Map</a:t>
+            </a:r>
+            <a:endParaRPr lang="fr-CH" dirty="0" smtClean="0"/>
+          </a:p>
+          <a:p>
+            <a:pPr lvl="1"/>
+            <a:r>
+              <a:rPr lang="fr-CH" dirty="0" err="1" smtClean="0"/>
+              <a:t>SpriteSheet</a:t>
+            </a:r>
+            <a:endParaRPr lang="fr-CH" dirty="0" smtClean="0"/>
+          </a:p>
+          <a:p>
+            <a:pPr lvl="1"/>
+            <a:r>
+              <a:rPr lang="fr-CH" dirty="0" err="1" smtClean="0"/>
+              <a:t>Hitbox</a:t>
+            </a:r>
+            <a:endParaRPr lang="fr-CH" dirty="0" smtClean="0"/>
+          </a:p>
+          <a:p>
+            <a:pPr lvl="1"/>
+            <a:r>
+              <a:rPr lang="fr-CH" dirty="0" smtClean="0"/>
+              <a:t>Démo</a:t>
+            </a:r>
+          </a:p>
+          <a:p>
+            <a:r>
+              <a:rPr lang="fr-CH" dirty="0" smtClean="0"/>
+              <a:t>Organisation</a:t>
+            </a:r>
+          </a:p>
+          <a:p>
+            <a:r>
+              <a:rPr lang="fr-CH" dirty="0" smtClean="0"/>
+              <a:t>Améliorations possibles</a:t>
+            </a:r>
+          </a:p>
+          <a:p>
+            <a:pPr lvl="1"/>
             <a:endParaRPr lang="fr-CH" dirty="0"/>
           </a:p>
         </p:txBody>
@@ -5698,6 +5890,13 @@
   <p:clrMapOvr>
     <a:masterClrMapping/>
   </p:clrMapOvr>
+  <p:timing>
+    <p:tnLst>
+      <p:par>
+        <p:cTn id="1" dur="indefinite" restart="never" nodeType="tmRoot"/>
+      </p:par>
+    </p:tnLst>
+  </p:timing>
 </p:sld>
 </file>
 
@@ -5813,6 +6012,13 @@
   <p:clrMapOvr>
     <a:masterClrMapping/>
   </p:clrMapOvr>
+  <p:timing>
+    <p:tnLst>
+      <p:par>
+        <p:cTn id="1" dur="indefinite" restart="never" nodeType="tmRoot"/>
+      </p:par>
+    </p:tnLst>
+  </p:timing>
 </p:sld>
 </file>
 
@@ -5849,9 +6055,10 @@
           <a:lstStyle/>
           <a:p>
             <a:r>
-              <a:rPr lang="fr-CH" dirty="0"/>
-              <a:t>Conception - animations</a:t>
-            </a:r>
+              <a:rPr lang="fr-CH" dirty="0" smtClean="0"/>
+              <a:t>Animations</a:t>
+            </a:r>
+            <a:endParaRPr lang="fr-CH" dirty="0"/>
           </a:p>
         </p:txBody>
       </p:sp>
@@ -5913,6 +6120,13 @@
   <p:clrMapOvr>
     <a:masterClrMapping/>
   </p:clrMapOvr>
+  <p:timing>
+    <p:tnLst>
+      <p:par>
+        <p:cTn id="1" dur="indefinite" restart="never" nodeType="tmRoot"/>
+      </p:par>
+    </p:tnLst>
+  </p:timing>
 </p:sld>
 </file>
 
@@ -5933,57 +6147,76 @@
           <a:chExt cx="0" cy="0"/>
         </a:xfrm>
       </p:grpSpPr>
+      <p:sp>
+        <p:nvSpPr>
+          <p:cNvPr id="3" name="Titre 2"/>
+          <p:cNvSpPr>
+            <a:spLocks noGrp="1"/>
+          </p:cNvSpPr>
+          <p:nvPr>
+            <p:ph type="title"/>
+          </p:nvPr>
+        </p:nvSpPr>
+        <p:spPr/>
+        <p:txBody>
+          <a:bodyPr/>
+          <a:lstStyle/>
+          <a:p>
+            <a:r>
+              <a:rPr lang="fr-CH" dirty="0" err="1" smtClean="0"/>
+              <a:t>Map</a:t>
+            </a:r>
+            <a:endParaRPr lang="fr-CH" dirty="0"/>
+          </a:p>
+        </p:txBody>
+      </p:sp>
+      <p:sp>
+        <p:nvSpPr>
+          <p:cNvPr id="2" name="Espace réservé du contenu 1"/>
+          <p:cNvSpPr>
+            <a:spLocks noGrp="1"/>
+          </p:cNvSpPr>
+          <p:nvPr>
+            <p:ph idx="1"/>
+          </p:nvPr>
+        </p:nvSpPr>
+        <p:spPr/>
+        <p:txBody>
+          <a:bodyPr/>
+          <a:lstStyle/>
+          <a:p>
+            <a:r>
+              <a:rPr lang="fr-CH" dirty="0" err="1" smtClean="0"/>
+              <a:t>Tiled</a:t>
+            </a:r>
+            <a:endParaRPr lang="fr-CH" dirty="0"/>
+          </a:p>
+        </p:txBody>
+      </p:sp>
       <p:pic>
         <p:nvPicPr>
-          <p:cNvPr id="4" name="Espace réservé du contenu 3"/>
+          <p:cNvPr id="5" name="Image 4"/>
           <p:cNvPicPr>
-            <a:picLocks noGrp="1" noChangeAspect="1"/>
+            <a:picLocks noChangeAspect="1"/>
           </p:cNvPicPr>
-          <p:nvPr>
-            <p:ph idx="1"/>
-          </p:nvPr>
+          <p:nvPr/>
         </p:nvPicPr>
         <p:blipFill>
-          <a:blip r:embed="rId3">
-            <a:extLst>
-              <a:ext uri="{28A0092B-C50C-407E-A947-70E740481C1C}">
-                <a14:useLocalDpi xmlns:a14="http://schemas.microsoft.com/office/drawing/2010/main" val="0"/>
-              </a:ext>
-            </a:extLst>
-          </a:blip>
+          <a:blip r:embed="rId3"/>
           <a:stretch>
             <a:fillRect/>
           </a:stretch>
         </p:blipFill>
         <p:spPr>
           <a:xfrm>
-            <a:off x="2226361" y="2420888"/>
-            <a:ext cx="4680519" cy="3716883"/>
+            <a:off x="2037733" y="2924944"/>
+            <a:ext cx="5057775" cy="2857500"/>
           </a:xfrm>
+          <a:prstGeom prst="rect">
+            <a:avLst/>
+          </a:prstGeom>
         </p:spPr>
       </p:pic>
-      <p:sp>
-        <p:nvSpPr>
-          <p:cNvPr id="3" name="Titre 2"/>
-          <p:cNvSpPr>
-            <a:spLocks noGrp="1"/>
-          </p:cNvSpPr>
-          <p:nvPr>
-            <p:ph type="title"/>
-          </p:nvPr>
-        </p:nvSpPr>
-        <p:spPr/>
-        <p:txBody>
-          <a:bodyPr/>
-          <a:lstStyle/>
-          <a:p>
-            <a:r>
-              <a:rPr lang="fr-CH" dirty="0"/>
-              <a:t>Conception-Architecture</a:t>
-            </a:r>
-          </a:p>
-        </p:txBody>
-      </p:sp>
     </p:spTree>
     <p:extLst>
       <p:ext uri="{BB962C8B-B14F-4D97-AF65-F5344CB8AC3E}">
@@ -5994,6 +6227,13 @@
   <p:clrMapOvr>
     <a:masterClrMapping/>
   </p:clrMapOvr>
+  <p:timing>
+    <p:tnLst>
+      <p:par>
+        <p:cTn id="1" dur="indefinite" restart="never" nodeType="tmRoot"/>
+      </p:par>
+    </p:tnLst>
+  </p:timing>
 </p:sld>
 </file>
 
@@ -6016,12 +6256,12 @@
       </p:grpSpPr>
       <p:sp>
         <p:nvSpPr>
-          <p:cNvPr id="2" name="Espace réservé du contenu 1"/>
-          <p:cNvSpPr>
-            <a:spLocks noGrp="1"/>
-          </p:cNvSpPr>
-          <p:nvPr>
-            <p:ph idx="1"/>
+          <p:cNvPr id="3" name="Titre 2"/>
+          <p:cNvSpPr>
+            <a:spLocks noGrp="1"/>
+          </p:cNvSpPr>
+          <p:nvPr>
+            <p:ph type="title"/>
           </p:nvPr>
         </p:nvSpPr>
         <p:spPr/>
@@ -6030,6 +6270,146 @@
           <a:lstStyle/>
           <a:p>
             <a:r>
+              <a:rPr lang="fr-CH" dirty="0" err="1" smtClean="0"/>
+              <a:t>Sprite</a:t>
+            </a:r>
+            <a:r>
+              <a:rPr lang="fr-CH" dirty="0" smtClean="0"/>
+              <a:t> </a:t>
+            </a:r>
+            <a:r>
+              <a:rPr lang="fr-CH" dirty="0" err="1" smtClean="0"/>
+              <a:t>Sheet</a:t>
+            </a:r>
+            <a:endParaRPr lang="fr-CH" dirty="0"/>
+          </a:p>
+        </p:txBody>
+      </p:sp>
+      <p:pic>
+        <p:nvPicPr>
+          <p:cNvPr id="4" name="Espace réservé du contenu 3"/>
+          <p:cNvPicPr>
+            <a:picLocks noGrp="1" noChangeAspect="1"/>
+          </p:cNvPicPr>
+          <p:nvPr>
+            <p:ph sz="quarter" idx="13"/>
+          </p:nvPr>
+        </p:nvPicPr>
+        <p:blipFill rotWithShape="1">
+          <a:blip r:embed="rId2" cstate="print">
+            <a:extLst>
+              <a:ext uri="{28A0092B-C50C-407E-A947-70E740481C1C}">
+                <a14:useLocalDpi xmlns:a14="http://schemas.microsoft.com/office/drawing/2010/main" val="0"/>
+              </a:ext>
+            </a:extLst>
+          </a:blip>
+          <a:stretch/>
+        </p:blipFill>
+        <p:spPr>
+          <a:xfrm>
+            <a:off x="2051720" y="3284984"/>
+            <a:ext cx="5256584" cy="5256584"/>
+          </a:xfrm>
+        </p:spPr>
+      </p:pic>
+      <p:sp>
+        <p:nvSpPr>
+          <p:cNvPr id="5" name="Espace réservé du contenu 4"/>
+          <p:cNvSpPr>
+            <a:spLocks noGrp="1"/>
+          </p:cNvSpPr>
+          <p:nvPr>
+            <p:ph sz="quarter" idx="14"/>
+          </p:nvPr>
+        </p:nvSpPr>
+        <p:spPr>
+          <a:xfrm>
+            <a:off x="827584" y="2204864"/>
+            <a:ext cx="7483910" cy="936104"/>
+          </a:xfrm>
+        </p:spPr>
+        <p:txBody>
+          <a:bodyPr>
+            <a:normAutofit/>
+          </a:bodyPr>
+          <a:lstStyle/>
+          <a:p>
+            <a:r>
+              <a:rPr lang="fr-CH" dirty="0" smtClean="0"/>
+              <a:t>Regroupement de </a:t>
+            </a:r>
+            <a:r>
+              <a:rPr lang="fr-CH" dirty="0" err="1" smtClean="0"/>
+              <a:t>sprites</a:t>
+            </a:r>
+            <a:endParaRPr lang="fr-CH" dirty="0" smtClean="0"/>
+          </a:p>
+          <a:p>
+            <a:r>
+              <a:rPr lang="fr-CH" dirty="0" smtClean="0"/>
+              <a:t>Fichier de données </a:t>
+            </a:r>
+            <a:r>
+              <a:rPr lang="fr-CH" dirty="0" err="1" smtClean="0"/>
+              <a:t>Json</a:t>
+            </a:r>
+            <a:endParaRPr lang="fr-CH" dirty="0"/>
+          </a:p>
+        </p:txBody>
+      </p:sp>
+    </p:spTree>
+    <p:extLst>
+      <p:ext uri="{BB962C8B-B14F-4D97-AF65-F5344CB8AC3E}">
+        <p14:creationId xmlns:p14="http://schemas.microsoft.com/office/powerpoint/2010/main" val="2093814381"/>
+      </p:ext>
+    </p:extLst>
+  </p:cSld>
+  <p:clrMapOvr>
+    <a:masterClrMapping/>
+  </p:clrMapOvr>
+  <p:timing>
+    <p:tnLst>
+      <p:par>
+        <p:cTn id="1" dur="indefinite" restart="never" nodeType="tmRoot"/>
+      </p:par>
+    </p:tnLst>
+  </p:timing>
+</p:sld>
+</file>
+
+<file path=ppt/slides/slide7.xml><?xml version="1.0" encoding="utf-8"?>
+<p:sld xmlns:a="http://schemas.openxmlformats.org/drawingml/2006/main" xmlns:r="http://schemas.openxmlformats.org/officeDocument/2006/relationships" xmlns:p="http://schemas.openxmlformats.org/presentationml/2006/main">
+  <p:cSld>
+    <p:spTree>
+      <p:nvGrpSpPr>
+        <p:cNvPr id="1" name=""/>
+        <p:cNvGrpSpPr/>
+        <p:nvPr/>
+      </p:nvGrpSpPr>
+      <p:grpSpPr>
+        <a:xfrm>
+          <a:off x="0" y="0"/>
+          <a:ext cx="0" cy="0"/>
+          <a:chOff x="0" y="0"/>
+          <a:chExt cx="0" cy="0"/>
+        </a:xfrm>
+      </p:grpSpPr>
+      <p:sp>
+        <p:nvSpPr>
+          <p:cNvPr id="2" name="Espace réservé du contenu 1"/>
+          <p:cNvSpPr>
+            <a:spLocks noGrp="1"/>
+          </p:cNvSpPr>
+          <p:nvPr>
+            <p:ph idx="1"/>
+          </p:nvPr>
+        </p:nvSpPr>
+        <p:spPr/>
+        <p:txBody>
+          <a:bodyPr/>
+          <a:lstStyle/>
+          <a:p>
+            <a:r>
               <a:rPr lang="fr-CH" dirty="0"/>
               <a:t>Plusieurs formes</a:t>
             </a:r>
@@ -6055,12 +6435,12 @@
           <a:lstStyle/>
           <a:p>
             <a:r>
-              <a:rPr lang="fr-CH" dirty="0"/>
-              <a:t>Conception - </a:t>
-            </a:r>
-            <a:r>
               <a:rPr lang="fr-CH" dirty="0" err="1"/>
-              <a:t>hitBox</a:t>
+              <a:t>H</a:t>
+            </a:r>
+            <a:r>
+              <a:rPr lang="fr-CH" dirty="0" err="1" smtClean="0"/>
+              <a:t>itBox</a:t>
             </a:r>
             <a:endParaRPr lang="fr-CH" dirty="0"/>
           </a:p>
@@ -6106,82 +6486,13 @@
   <p:clrMapOvr>
     <a:masterClrMapping/>
   </p:clrMapOvr>
-</p:sld>
-</file>
-
-<file path=ppt/slides/slide7.xml><?xml version="1.0" encoding="utf-8"?>
-<p:sld xmlns:a="http://schemas.openxmlformats.org/drawingml/2006/main" xmlns:r="http://schemas.openxmlformats.org/officeDocument/2006/relationships" xmlns:p="http://schemas.openxmlformats.org/presentationml/2006/main">
-  <p:cSld>
-    <p:spTree>
-      <p:nvGrpSpPr>
-        <p:cNvPr id="1" name=""/>
-        <p:cNvGrpSpPr/>
-        <p:nvPr/>
-      </p:nvGrpSpPr>
-      <p:grpSpPr>
-        <a:xfrm>
-          <a:off x="0" y="0"/>
-          <a:ext cx="0" cy="0"/>
-          <a:chOff x="0" y="0"/>
-          <a:chExt cx="0" cy="0"/>
-        </a:xfrm>
-      </p:grpSpPr>
-      <p:sp>
-        <p:nvSpPr>
-          <p:cNvPr id="2" name="Espace réservé du contenu 1"/>
-          <p:cNvSpPr>
-            <a:spLocks noGrp="1"/>
-          </p:cNvSpPr>
-          <p:nvPr>
-            <p:ph idx="1"/>
-          </p:nvPr>
-        </p:nvSpPr>
-        <p:spPr>
-          <a:xfrm>
-            <a:off x="688490" y="1916832"/>
-            <a:ext cx="7745505" cy="3877815"/>
-          </a:xfrm>
-        </p:spPr>
-        <p:txBody>
-          <a:bodyPr/>
-          <a:lstStyle/>
-          <a:p>
-            <a:endParaRPr lang="fr-CH" dirty="0"/>
-          </a:p>
-        </p:txBody>
-      </p:sp>
-      <p:sp>
-        <p:nvSpPr>
-          <p:cNvPr id="3" name="Titre 2"/>
-          <p:cNvSpPr>
-            <a:spLocks noGrp="1"/>
-          </p:cNvSpPr>
-          <p:nvPr>
-            <p:ph type="title"/>
-          </p:nvPr>
-        </p:nvSpPr>
-        <p:spPr/>
-        <p:txBody>
-          <a:bodyPr/>
-          <a:lstStyle/>
-          <a:p>
-            <a:r>
-              <a:rPr lang="fr-CH" dirty="0"/>
-              <a:t>Démonstration</a:t>
-            </a:r>
-          </a:p>
-        </p:txBody>
-      </p:sp>
-    </p:spTree>
-    <p:extLst>
-      <p:ext uri="{BB962C8B-B14F-4D97-AF65-F5344CB8AC3E}">
-        <p14:creationId xmlns:p14="http://schemas.microsoft.com/office/powerpoint/2010/main" val="2776342878"/>
-      </p:ext>
-    </p:extLst>
-  </p:cSld>
-  <p:clrMapOvr>
-    <a:masterClrMapping/>
-  </p:clrMapOvr>
+  <p:timing>
+    <p:tnLst>
+      <p:par>
+        <p:cTn id="1" dur="indefinite" restart="never" nodeType="tmRoot"/>
+      </p:par>
+    </p:tnLst>
+  </p:timing>
 </p:sld>
 </file>
 
@@ -6204,6 +6515,89 @@
       </p:grpSpPr>
       <p:sp>
         <p:nvSpPr>
+          <p:cNvPr id="2" name="Espace réservé du contenu 1"/>
+          <p:cNvSpPr>
+            <a:spLocks noGrp="1"/>
+          </p:cNvSpPr>
+          <p:nvPr>
+            <p:ph idx="1"/>
+          </p:nvPr>
+        </p:nvSpPr>
+        <p:spPr>
+          <a:xfrm>
+            <a:off x="688490" y="1916832"/>
+            <a:ext cx="7745505" cy="3877815"/>
+          </a:xfrm>
+        </p:spPr>
+        <p:txBody>
+          <a:bodyPr/>
+          <a:lstStyle/>
+          <a:p>
+            <a:endParaRPr lang="fr-CH" dirty="0"/>
+          </a:p>
+        </p:txBody>
+      </p:sp>
+      <p:sp>
+        <p:nvSpPr>
+          <p:cNvPr id="3" name="Titre 2"/>
+          <p:cNvSpPr>
+            <a:spLocks noGrp="1"/>
+          </p:cNvSpPr>
+          <p:nvPr>
+            <p:ph type="title"/>
+          </p:nvPr>
+        </p:nvSpPr>
+        <p:spPr/>
+        <p:txBody>
+          <a:bodyPr/>
+          <a:lstStyle/>
+          <a:p>
+            <a:r>
+              <a:rPr lang="fr-CH" dirty="0"/>
+              <a:t>Démonstration</a:t>
+            </a:r>
+          </a:p>
+        </p:txBody>
+      </p:sp>
+    </p:spTree>
+    <p:extLst>
+      <p:ext uri="{BB962C8B-B14F-4D97-AF65-F5344CB8AC3E}">
+        <p14:creationId xmlns:p14="http://schemas.microsoft.com/office/powerpoint/2010/main" val="2776342878"/>
+      </p:ext>
+    </p:extLst>
+  </p:cSld>
+  <p:clrMapOvr>
+    <a:masterClrMapping/>
+  </p:clrMapOvr>
+  <p:timing>
+    <p:tnLst>
+      <p:par>
+        <p:cTn id="1" dur="indefinite" restart="never" nodeType="tmRoot"/>
+      </p:par>
+    </p:tnLst>
+  </p:timing>
+</p:sld>
+</file>
+
+<file path=ppt/slides/slide9.xml><?xml version="1.0" encoding="utf-8"?>
+<p:sld xmlns:a="http://schemas.openxmlformats.org/drawingml/2006/main" xmlns:r="http://schemas.openxmlformats.org/officeDocument/2006/relationships" xmlns:p="http://schemas.openxmlformats.org/presentationml/2006/main">
+  <p:cSld>
+    <p:spTree>
+      <p:nvGrpSpPr>
+        <p:cNvPr id="1" name=""/>
+        <p:cNvGrpSpPr/>
+        <p:nvPr/>
+      </p:nvGrpSpPr>
+      <p:grpSpPr>
+        <a:xfrm>
+          <a:off x="0" y="0"/>
+          <a:ext cx="0" cy="0"/>
+          <a:chOff x="0" y="0"/>
+          <a:chExt cx="0" cy="0"/>
+        </a:xfrm>
+      </p:grpSpPr>
+      <p:sp>
+        <p:nvSpPr>
           <p:cNvPr id="3" name="Titre 2"/>
           <p:cNvSpPr>
             <a:spLocks noGrp="1"/>
@@ -6234,14 +6628,14 @@
             <p:ph idx="1"/>
             <p:extLst>
               <p:ext uri="{D42A27DB-BD31-4B8C-83A1-F6EECF244321}">
-                <p14:modId xmlns:p14="http://schemas.microsoft.com/office/powerpoint/2010/main" val="1278542011"/>
+                <p14:modId xmlns:p14="http://schemas.microsoft.com/office/powerpoint/2010/main" val="2284329607"/>
               </p:ext>
             </p:extLst>
           </p:nvPr>
         </p:nvGraphicFramePr>
         <p:xfrm>
-          <a:off x="688490" y="3356992"/>
-          <a:ext cx="7746999" cy="1854200"/>
+          <a:off x="697754" y="3284984"/>
+          <a:ext cx="7746999" cy="1849120"/>
         </p:xfrm>
         <a:graphic>
           <a:graphicData uri="http://schemas.openxmlformats.org/drawingml/2006/table">
@@ -6253,26 +6647,26 @@
                 <a:gridCol w="2582333">
                   <a:extLst>
                     <a:ext uri="{9D8B030D-6E8A-4147-A177-3AD203B41FA5}">
-                      <a16:colId xmlns:a16="http://schemas.microsoft.com/office/drawing/2014/main" val="20000"/>
+                      <a16:colId xmlns:a16="http://schemas.microsoft.com/office/drawing/2014/main" xmlns="" val="20000"/>
                     </a:ext>
                   </a:extLst>
                 </a:gridCol>
                 <a:gridCol w="2731327">
                   <a:extLst>
                     <a:ext uri="{9D8B030D-6E8A-4147-A177-3AD203B41FA5}">
-                      <a16:colId xmlns:a16="http://schemas.microsoft.com/office/drawing/2014/main" val="20001"/>
+                      <a16:colId xmlns:a16="http://schemas.microsoft.com/office/drawing/2014/main" xmlns="" val="20001"/>
                     </a:ext>
                   </a:extLst>
                 </a:gridCol>
                 <a:gridCol w="2433339">
                   <a:extLst>
                     <a:ext uri="{9D8B030D-6E8A-4147-A177-3AD203B41FA5}">
-                      <a16:colId xmlns:a16="http://schemas.microsoft.com/office/drawing/2014/main" val="20002"/>
+                      <a16:colId xmlns:a16="http://schemas.microsoft.com/office/drawing/2014/main" xmlns="" val="20002"/>
                     </a:ext>
                   </a:extLst>
                 </a:gridCol>
               </a:tblGrid>
-              <a:tr h="370840">
+              <a:tr h="298832">
                 <a:tc>
                   <a:txBody>
                     <a:bodyPr/>
@@ -6311,7 +6705,7 @@
                 </a:tc>
                 <a:extLst>
                   <a:ext uri="{0D108BD9-81ED-4DB2-BD59-A6C34878D82A}">
-                    <a16:rowId xmlns:a16="http://schemas.microsoft.com/office/drawing/2014/main" val="10000"/>
+                    <a16:rowId xmlns:a16="http://schemas.microsoft.com/office/drawing/2014/main" xmlns="" val="10000"/>
                   </a:ext>
                 </a:extLst>
               </a:tr>
@@ -6369,7 +6763,7 @@
                 </a:tc>
                 <a:extLst>
                   <a:ext uri="{0D108BD9-81ED-4DB2-BD59-A6C34878D82A}">
-                    <a16:rowId xmlns:a16="http://schemas.microsoft.com/office/drawing/2014/main" val="10001"/>
+                    <a16:rowId xmlns:a16="http://schemas.microsoft.com/office/drawing/2014/main" xmlns="" val="10001"/>
                   </a:ext>
                 </a:extLst>
               </a:tr>
@@ -6415,7 +6809,7 @@
                 </a:tc>
                 <a:extLst>
                   <a:ext uri="{0D108BD9-81ED-4DB2-BD59-A6C34878D82A}">
-                    <a16:rowId xmlns:a16="http://schemas.microsoft.com/office/drawing/2014/main" val="10002"/>
+                    <a16:rowId xmlns:a16="http://schemas.microsoft.com/office/drawing/2014/main" xmlns="" val="10002"/>
                   </a:ext>
                 </a:extLst>
               </a:tr>
@@ -6462,7 +6856,7 @@
                 </a:tc>
                 <a:extLst>
                   <a:ext uri="{0D108BD9-81ED-4DB2-BD59-A6C34878D82A}">
-                    <a16:rowId xmlns:a16="http://schemas.microsoft.com/office/drawing/2014/main" val="10003"/>
+                    <a16:rowId xmlns:a16="http://schemas.microsoft.com/office/drawing/2014/main" xmlns="" val="10003"/>
                   </a:ext>
                 </a:extLst>
               </a:tr>
@@ -6472,7 +6866,7 @@
                     <a:bodyPr/>
                     <a:lstStyle/>
                     <a:p>
-                      <a:endParaRPr lang="fr-CH"/>
+                      <a:endParaRPr lang="fr-CH" dirty="0"/>
                     </a:p>
                   </a:txBody>
                   <a:tcPr/>
@@ -6499,7 +6893,7 @@
                 </a:tc>
                 <a:extLst>
                   <a:ext uri="{0D108BD9-81ED-4DB2-BD59-A6C34878D82A}">
-                    <a16:rowId xmlns:a16="http://schemas.microsoft.com/office/drawing/2014/main" val="10004"/>
+                    <a16:rowId xmlns:a16="http://schemas.microsoft.com/office/drawing/2014/main" xmlns="" val="10004"/>
                   </a:ext>
                 </a:extLst>
               </a:tr>
@@ -6517,98 +6911,13 @@
   <p:clrMapOvr>
     <a:masterClrMapping/>
   </p:clrMapOvr>
-</p:sld>
-</file>
-
-<file path=ppt/slides/slide9.xml><?xml version="1.0" encoding="utf-8"?>
-<p:sld xmlns:a="http://schemas.openxmlformats.org/drawingml/2006/main" xmlns:r="http://schemas.openxmlformats.org/officeDocument/2006/relationships" xmlns:p="http://schemas.openxmlformats.org/presentationml/2006/main">
-  <p:cSld>
-    <p:spTree>
-      <p:nvGrpSpPr>
-        <p:cNvPr id="1" name=""/>
-        <p:cNvGrpSpPr/>
-        <p:nvPr/>
-      </p:nvGrpSpPr>
-      <p:grpSpPr>
-        <a:xfrm>
-          <a:off x="0" y="0"/>
-          <a:ext cx="0" cy="0"/>
-          <a:chOff x="0" y="0"/>
-          <a:chExt cx="0" cy="0"/>
-        </a:xfrm>
-      </p:grpSpPr>
-      <p:sp>
-        <p:nvSpPr>
-          <p:cNvPr id="2" name="Espace réservé du contenu 1"/>
-          <p:cNvSpPr>
-            <a:spLocks noGrp="1"/>
-          </p:cNvSpPr>
-          <p:nvPr>
-            <p:ph idx="1"/>
-          </p:nvPr>
-        </p:nvSpPr>
-        <p:spPr/>
-        <p:txBody>
-          <a:bodyPr/>
-          <a:lstStyle/>
-          <a:p>
-            <a:r>
-              <a:rPr lang="fr-CH" dirty="0"/>
-              <a:t>Menu pour choisir des niveaux</a:t>
-            </a:r>
-          </a:p>
-          <a:p>
-            <a:r>
-              <a:rPr lang="fr-CH" dirty="0"/>
-              <a:t>Objets bonus et déplaçables</a:t>
-            </a:r>
-          </a:p>
-          <a:p>
-            <a:r>
-              <a:rPr lang="fr-CH" dirty="0"/>
-              <a:t>Contenu sonore</a:t>
-            </a:r>
-          </a:p>
-          <a:p>
-            <a:r>
-              <a:rPr lang="fr-CH" dirty="0"/>
-              <a:t>Niveaux plus complexes (énigmes) </a:t>
-            </a:r>
-          </a:p>
-        </p:txBody>
-      </p:sp>
-      <p:sp>
-        <p:nvSpPr>
-          <p:cNvPr id="3" name="Titre 2"/>
-          <p:cNvSpPr>
-            <a:spLocks noGrp="1"/>
-          </p:cNvSpPr>
-          <p:nvPr>
-            <p:ph type="title"/>
-          </p:nvPr>
-        </p:nvSpPr>
-        <p:spPr/>
-        <p:txBody>
-          <a:bodyPr/>
-          <a:lstStyle/>
-          <a:p>
-            <a:r>
-              <a:rPr lang="fr-CH" dirty="0"/>
-              <a:t>Améliorations possibles</a:t>
-            </a:r>
-          </a:p>
-        </p:txBody>
-      </p:sp>
-    </p:spTree>
-    <p:extLst>
-      <p:ext uri="{BB962C8B-B14F-4D97-AF65-F5344CB8AC3E}">
-        <p14:creationId xmlns:p14="http://schemas.microsoft.com/office/powerpoint/2010/main" val="2639256084"/>
-      </p:ext>
-    </p:extLst>
-  </p:cSld>
-  <p:clrMapOvr>
-    <a:masterClrMapping/>
-  </p:clrMapOvr>
+  <p:timing>
+    <p:tnLst>
+      <p:par>
+        <p:cTn id="1" dur="indefinite" restart="never" nodeType="tmRoot"/>
+      </p:par>
+    </p:tnLst>
+  </p:timing>
 </p:sld>
 </file>
 

--- a/Admimistatif/Presentation.pptx
+++ b/Admimistatif/Presentation.pptx
@@ -6513,30 +6513,34 @@
           <a:chExt cx="0" cy="0"/>
         </a:xfrm>
       </p:grpSpPr>
-      <p:sp>
-        <p:nvSpPr>
-          <p:cNvPr id="2" name="Espace réservé du contenu 1"/>
-          <p:cNvSpPr>
-            <a:spLocks noGrp="1"/>
-          </p:cNvSpPr>
+      <p:pic>
+        <p:nvPicPr>
+          <p:cNvPr id="5" name="Espace réservé du contenu 4"/>
+          <p:cNvPicPr>
+            <a:picLocks noGrp="1" noChangeAspect="1"/>
+          </p:cNvPicPr>
           <p:nvPr>
             <p:ph idx="1"/>
           </p:nvPr>
-        </p:nvSpPr>
+        </p:nvPicPr>
+        <p:blipFill rotWithShape="1">
+          <a:blip r:embed="rId3">
+            <a:extLst>
+              <a:ext uri="{28A0092B-C50C-407E-A947-70E740481C1C}">
+                <a14:useLocalDpi xmlns:a14="http://schemas.microsoft.com/office/drawing/2010/main" val="0"/>
+              </a:ext>
+            </a:extLst>
+          </a:blip>
+          <a:srcRect r="15564"/>
+          <a:stretch/>
+        </p:blipFill>
         <p:spPr>
           <a:xfrm>
-            <a:off x="688490" y="1916832"/>
-            <a:ext cx="7745505" cy="3877815"/>
+            <a:off x="2694413" y="2636912"/>
+            <a:ext cx="3744416" cy="3878262"/>
           </a:xfrm>
         </p:spPr>
-        <p:txBody>
-          <a:bodyPr/>
-          <a:lstStyle/>
-          <a:p>
-            <a:endParaRPr lang="fr-CH" dirty="0"/>
-          </a:p>
-        </p:txBody>
-      </p:sp>
+      </p:pic>
       <p:sp>
         <p:nvSpPr>
           <p:cNvPr id="3" name="Titre 2"/>

--- a/Admimistatif/Presentation.pptx
+++ b/Admimistatif/Presentation.pptx
@@ -1,6 +1,6 @@
 
 <file path=ppt/presentation.xml><?xml version="1.0" encoding="utf-8"?>
-<p:presentation xmlns:a="http://schemas.openxmlformats.org/drawingml/2006/main" xmlns:r="http://schemas.openxmlformats.org/officeDocument/2006/relationships" xmlns:p="http://schemas.openxmlformats.org/presentationml/2006/main" saveSubsetFonts="1">
+<p:presentation xmlns:a="http://schemas.openxmlformats.org/drawingml/2006/main" xmlns:r="http://schemas.openxmlformats.org/officeDocument/2006/relationships" xmlns:p="http://schemas.openxmlformats.org/presentationml/2006/main" showSpecialPlsOnTitleSld="0" saveSubsetFonts="1">
   <p:sldMasterIdLst>
     <p:sldMasterId id="2147483660" r:id="rId1"/>
   </p:sldMasterIdLst>
@@ -840,7 +840,7 @@
           <a:p>
             <a:fld id="{1723C952-8087-44AE-BD64-9C59D2DE6B24}" type="slidenum">
               <a:rPr lang="fr-CH" smtClean="0"/>
-              <a:t>5</a:t>
+              <a:t>4</a:t>
             </a:fld>
             <a:endParaRPr lang="fr-CH"/>
           </a:p>
@@ -849,7 +849,7 @@
     </p:spTree>
     <p:extLst>
       <p:ext uri="{BB962C8B-B14F-4D97-AF65-F5344CB8AC3E}">
-        <p14:creationId xmlns:p14="http://schemas.microsoft.com/office/powerpoint/2010/main" val="1514482810"/>
+        <p14:creationId xmlns:p14="http://schemas.microsoft.com/office/powerpoint/2010/main" val="399295505"/>
       </p:ext>
     </p:extLst>
   </p:cSld>
@@ -903,24 +903,6 @@
           <a:bodyPr/>
           <a:lstStyle/>
           <a:p>
-            <a:r>
-              <a:rPr lang="fr-CH" dirty="0" err="1"/>
-              <a:t>Ghosts</a:t>
-            </a:r>
-            <a:r>
-              <a:rPr lang="fr-CH" dirty="0"/>
-              <a:t> </a:t>
-            </a:r>
-            <a:r>
-              <a:rPr lang="fr-CH" dirty="0" err="1"/>
-              <a:t>vertices</a:t>
-            </a:r>
-            <a:r>
-              <a:rPr lang="fr-CH" dirty="0"/>
-              <a:t>?</a:t>
-            </a:r>
-          </a:p>
-          <a:p>
             <a:endParaRPr lang="fr-CH" dirty="0"/>
           </a:p>
         </p:txBody>
@@ -942,7 +924,7 @@
           <a:p>
             <a:fld id="{1723C952-8087-44AE-BD64-9C59D2DE6B24}" type="slidenum">
               <a:rPr lang="fr-CH" smtClean="0"/>
-              <a:t>7</a:t>
+              <a:t>5</a:t>
             </a:fld>
             <a:endParaRPr lang="fr-CH"/>
           </a:p>
@@ -951,7 +933,7 @@
     </p:spTree>
     <p:extLst>
       <p:ext uri="{BB962C8B-B14F-4D97-AF65-F5344CB8AC3E}">
-        <p14:creationId xmlns:p14="http://schemas.microsoft.com/office/powerpoint/2010/main" val="3408218110"/>
+        <p14:creationId xmlns:p14="http://schemas.microsoft.com/office/powerpoint/2010/main" val="1514482810"/>
       </p:ext>
     </p:extLst>
   </p:cSld>
@@ -1005,6 +987,150 @@
           <a:bodyPr/>
           <a:lstStyle/>
           <a:p>
+            <a:r>
+              <a:rPr lang="fr-CH" dirty="0" err="1"/>
+              <a:t>Ghosts</a:t>
+            </a:r>
+            <a:r>
+              <a:rPr lang="fr-CH" dirty="0"/>
+              <a:t> </a:t>
+            </a:r>
+            <a:r>
+              <a:rPr lang="fr-CH" dirty="0" err="1"/>
+              <a:t>vertices</a:t>
+            </a:r>
+            <a:r>
+              <a:rPr lang="fr-CH" dirty="0"/>
+              <a:t>?</a:t>
+            </a:r>
+          </a:p>
+          <a:p>
+            <a:r>
+              <a:rPr lang="fr-CH" dirty="0" smtClean="0"/>
+              <a:t>	Le</a:t>
+            </a:r>
+            <a:r>
+              <a:rPr lang="fr-CH" baseline="0" dirty="0" smtClean="0"/>
+              <a:t> rond pour les pieds =&gt; </a:t>
+            </a:r>
+            <a:r>
+              <a:rPr lang="fr-CH" baseline="0" dirty="0" err="1" smtClean="0"/>
+              <a:t>evite</a:t>
+            </a:r>
+            <a:r>
+              <a:rPr lang="fr-CH" baseline="0" dirty="0" smtClean="0"/>
+              <a:t> que le perso soit suspendu dans le vite </a:t>
+            </a:r>
+          </a:p>
+          <a:p>
+            <a:r>
+              <a:rPr lang="fr-CH" baseline="0" dirty="0" smtClean="0"/>
+              <a:t>			</a:t>
+            </a:r>
+            <a:r>
+              <a:rPr lang="fr-CH" baseline="0" dirty="0" err="1" smtClean="0"/>
+              <a:t>evite</a:t>
+            </a:r>
+            <a:r>
+              <a:rPr lang="fr-CH" baseline="0" dirty="0" smtClean="0"/>
+              <a:t> les </a:t>
+            </a:r>
+            <a:r>
+              <a:rPr lang="fr-CH" baseline="0" dirty="0" err="1" smtClean="0"/>
+              <a:t>ghosts</a:t>
+            </a:r>
+            <a:r>
+              <a:rPr lang="fr-CH" baseline="0" dirty="0" smtClean="0"/>
+              <a:t> </a:t>
+            </a:r>
+            <a:r>
+              <a:rPr lang="fr-CH" baseline="0" dirty="0" err="1" smtClean="0"/>
+              <a:t>vertices</a:t>
+            </a:r>
+            <a:endParaRPr lang="fr-CH" dirty="0"/>
+          </a:p>
+        </p:txBody>
+      </p:sp>
+      <p:sp>
+        <p:nvSpPr>
+          <p:cNvPr id="4" name="Espace réservé du numéro de diapositive 3"/>
+          <p:cNvSpPr>
+            <a:spLocks noGrp="1"/>
+          </p:cNvSpPr>
+          <p:nvPr>
+            <p:ph type="sldNum" sz="quarter" idx="10"/>
+          </p:nvPr>
+        </p:nvSpPr>
+        <p:spPr/>
+        <p:txBody>
+          <a:bodyPr/>
+          <a:lstStyle/>
+          <a:p>
+            <a:fld id="{1723C952-8087-44AE-BD64-9C59D2DE6B24}" type="slidenum">
+              <a:rPr lang="fr-CH" smtClean="0"/>
+              <a:t>7</a:t>
+            </a:fld>
+            <a:endParaRPr lang="fr-CH"/>
+          </a:p>
+        </p:txBody>
+      </p:sp>
+    </p:spTree>
+    <p:extLst>
+      <p:ext uri="{BB962C8B-B14F-4D97-AF65-F5344CB8AC3E}">
+        <p14:creationId xmlns:p14="http://schemas.microsoft.com/office/powerpoint/2010/main" val="3408218110"/>
+      </p:ext>
+    </p:extLst>
+  </p:cSld>
+  <p:clrMapOvr>
+    <a:masterClrMapping/>
+  </p:clrMapOvr>
+</p:notes>
+</file>
+
+<file path=ppt/notesSlides/notesSlide6.xml><?xml version="1.0" encoding="utf-8"?>
+<p:notes xmlns:a="http://schemas.openxmlformats.org/drawingml/2006/main" xmlns:r="http://schemas.openxmlformats.org/officeDocument/2006/relationships" xmlns:p="http://schemas.openxmlformats.org/presentationml/2006/main">
+  <p:cSld>
+    <p:spTree>
+      <p:nvGrpSpPr>
+        <p:cNvPr id="1" name=""/>
+        <p:cNvGrpSpPr/>
+        <p:nvPr/>
+      </p:nvGrpSpPr>
+      <p:grpSpPr>
+        <a:xfrm>
+          <a:off x="0" y="0"/>
+          <a:ext cx="0" cy="0"/>
+          <a:chOff x="0" y="0"/>
+          <a:chExt cx="0" cy="0"/>
+        </a:xfrm>
+      </p:grpSpPr>
+      <p:sp>
+        <p:nvSpPr>
+          <p:cNvPr id="2" name="Espace réservé de l'image des diapositives 1"/>
+          <p:cNvSpPr>
+            <a:spLocks noGrp="1" noRot="1" noChangeAspect="1"/>
+          </p:cNvSpPr>
+          <p:nvPr>
+            <p:ph type="sldImg"/>
+          </p:nvPr>
+        </p:nvSpPr>
+        <p:spPr/>
+      </p:sp>
+      <p:sp>
+        <p:nvSpPr>
+          <p:cNvPr id="3" name="Espace réservé des commentaires 2"/>
+          <p:cNvSpPr>
+            <a:spLocks noGrp="1"/>
+          </p:cNvSpPr>
+          <p:nvPr>
+            <p:ph type="body" idx="1"/>
+          </p:nvPr>
+        </p:nvSpPr>
+        <p:spPr/>
+        <p:txBody>
+          <a:bodyPr/>
+          <a:lstStyle/>
+          <a:p>
             <a:endParaRPr lang="fr-CH" dirty="0"/>
           </a:p>
         </p:txBody>
@@ -1045,7 +1171,7 @@
 </p:notes>
 </file>
 
-<file path=ppt/notesSlides/notesSlide6.xml><?xml version="1.0" encoding="utf-8"?>
+<file path=ppt/notesSlides/notesSlide7.xml><?xml version="1.0" encoding="utf-8"?>
 <p:notes xmlns:a="http://schemas.openxmlformats.org/drawingml/2006/main" xmlns:r="http://schemas.openxmlformats.org/officeDocument/2006/relationships" xmlns:p="http://schemas.openxmlformats.org/presentationml/2006/main">
   <p:cSld>
     <p:spTree>
@@ -1198,7 +1324,7 @@
             </a:lvl1pPr>
           </a:lstStyle>
           <a:p>
-            <a:fld id="{49D6A521-9AD2-4B66-A862-FAA159BAE7C0}" type="datetimeFigureOut">
+            <a:fld id="{A651CE58-7D81-48DE-909A-2ED94CFC2597}" type="datetime1">
               <a:rPr lang="fr-CH" smtClean="0"/>
               <a:t>09.09.2016</a:t>
             </a:fld>
@@ -1701,7 +1827,7 @@
           <a:bodyPr/>
           <a:lstStyle/>
           <a:p>
-            <a:fld id="{49D6A521-9AD2-4B66-A862-FAA159BAE7C0}" type="datetimeFigureOut">
+            <a:fld id="{47E1F90B-9CBC-415D-96AD-62008A846BCF}" type="datetime1">
               <a:rPr lang="fr-CH" smtClean="0"/>
               <a:t>09.09.2016</a:t>
             </a:fld>
@@ -2006,7 +2132,7 @@
           <a:bodyPr/>
           <a:lstStyle/>
           <a:p>
-            <a:fld id="{49D6A521-9AD2-4B66-A862-FAA159BAE7C0}" type="datetimeFigureOut">
+            <a:fld id="{329C6F6E-13E3-45C9-BDFF-36773892EF3A}" type="datetime1">
               <a:rPr lang="fr-CH" smtClean="0"/>
               <a:t>09.09.2016</a:t>
             </a:fld>
@@ -2283,7 +2409,7 @@
           <a:bodyPr/>
           <a:lstStyle/>
           <a:p>
-            <a:fld id="{49D6A521-9AD2-4B66-A862-FAA159BAE7C0}" type="datetimeFigureOut">
+            <a:fld id="{B39FD6B2-95E0-4E09-AE10-6D1EBA837A61}" type="datetime1">
               <a:rPr lang="fr-CH" smtClean="0"/>
               <a:t>09.09.2016</a:t>
             </a:fld>
@@ -2840,7 +2966,7 @@
           <a:bodyPr/>
           <a:lstStyle/>
           <a:p>
-            <a:fld id="{49D6A521-9AD2-4B66-A862-FAA159BAE7C0}" type="datetimeFigureOut">
+            <a:fld id="{CE4D071F-BE68-40C8-8555-EF31618E7F0E}" type="datetime1">
               <a:rPr lang="fr-CH" smtClean="0"/>
               <a:t>09.09.2016</a:t>
             </a:fld>
@@ -2930,7 +3056,7 @@
           <a:bodyPr/>
           <a:lstStyle/>
           <a:p>
-            <a:fld id="{49D6A521-9AD2-4B66-A862-FAA159BAE7C0}" type="datetimeFigureOut">
+            <a:fld id="{258C36DC-44AC-42AC-8E7C-E82252885BBC}" type="datetime1">
               <a:rPr lang="fr-CH" smtClean="0"/>
               <a:t>09.09.2016</a:t>
             </a:fld>
@@ -3630,7 +3756,7 @@
           <a:bodyPr/>
           <a:lstStyle/>
           <a:p>
-            <a:fld id="{49D6A521-9AD2-4B66-A862-FAA159BAE7C0}" type="datetimeFigureOut">
+            <a:fld id="{3617EA0A-5538-425C-A7DF-BA83D82002B8}" type="datetime1">
               <a:rPr lang="fr-CH" smtClean="0"/>
               <a:t>09.09.2016</a:t>
             </a:fld>
@@ -3873,7 +3999,7 @@
           <a:bodyPr/>
           <a:lstStyle/>
           <a:p>
-            <a:fld id="{49D6A521-9AD2-4B66-A862-FAA159BAE7C0}" type="datetimeFigureOut">
+            <a:fld id="{436E2579-8629-4824-ABE7-01D620436281}" type="datetime1">
               <a:rPr lang="fr-CH" smtClean="0"/>
               <a:t>09.09.2016</a:t>
             </a:fld>
@@ -4093,7 +4219,7 @@
           <a:bodyPr/>
           <a:lstStyle/>
           <a:p>
-            <a:fld id="{49D6A521-9AD2-4B66-A862-FAA159BAE7C0}" type="datetimeFigureOut">
+            <a:fld id="{28CB6A96-43D1-4236-B451-E15FE098AAD9}" type="datetime1">
               <a:rPr lang="fr-CH" smtClean="0"/>
               <a:t>09.09.2016</a:t>
             </a:fld>
@@ -4367,7 +4493,7 @@
           <a:bodyPr/>
           <a:lstStyle/>
           <a:p>
-            <a:fld id="{49D6A521-9AD2-4B66-A862-FAA159BAE7C0}" type="datetimeFigureOut">
+            <a:fld id="{487C00DB-39D4-411F-A239-14919D051031}" type="datetime1">
               <a:rPr lang="fr-CH" smtClean="0"/>
               <a:t>09.09.2016</a:t>
             </a:fld>
@@ -4653,7 +4779,7 @@
           <a:bodyPr/>
           <a:lstStyle/>
           <a:p>
-            <a:fld id="{49D6A521-9AD2-4B66-A862-FAA159BAE7C0}" type="datetimeFigureOut">
+            <a:fld id="{6583D9CC-C497-45B6-8616-1211A327D2EF}" type="datetime1">
               <a:rPr lang="fr-CH" smtClean="0"/>
               <a:t>09.09.2016</a:t>
             </a:fld>
@@ -4921,7 +5047,7 @@
             </a:lvl1pPr>
           </a:lstStyle>
           <a:p>
-            <a:fld id="{49D6A521-9AD2-4B66-A862-FAA159BAE7C0}" type="datetimeFigureOut">
+            <a:fld id="{68253885-E965-4594-A230-763736584CB3}" type="datetime1">
               <a:rPr lang="fr-CH" smtClean="0"/>
               <a:t>09.09.2016</a:t>
             </a:fld>
@@ -5019,6 +5145,7 @@
     <p:sldLayoutId id="2147483670" r:id="rId10"/>
     <p:sldLayoutId id="2147483671" r:id="rId11"/>
   </p:sldLayoutIdLst>
+  <p:hf hdr="0" ftr="0" dt="0"/>
   <p:txStyles>
     <p:titleStyle>
       <a:lvl1pPr algn="ctr" defTabSz="914400" rtl="0" eaLnBrk="1" latinLnBrk="0" hangingPunct="1">
@@ -5498,6 +5625,13 @@
   <p:clrMapOvr>
     <a:masterClrMapping/>
   </p:clrMapOvr>
+  <p:timing>
+    <p:tnLst>
+      <p:par>
+        <p:cTn id="1" dur="indefinite" restart="never" nodeType="tmRoot"/>
+      </p:par>
+    </p:tnLst>
+  </p:timing>
 </p:sld>
 </file>
 
@@ -5555,6 +5689,20 @@
               <a:rPr lang="fr-CH" dirty="0"/>
               <a:t>Niveaux plus complexes (énigmes) </a:t>
             </a:r>
+            <a:endParaRPr lang="fr-CH" dirty="0" smtClean="0"/>
+          </a:p>
+          <a:p>
+            <a:r>
+              <a:rPr lang="fr-CH" dirty="0" smtClean="0"/>
+              <a:t>Animations plus complètes/complexes</a:t>
+            </a:r>
+          </a:p>
+          <a:p>
+            <a:r>
+              <a:rPr lang="fr-CH" dirty="0" smtClean="0"/>
+              <a:t>Et plus encore…</a:t>
+            </a:r>
+            <a:endParaRPr lang="fr-CH" dirty="0"/>
           </a:p>
         </p:txBody>
       </p:sp>
@@ -5577,6 +5725,29 @@
               <a:rPr lang="fr-CH" dirty="0"/>
               <a:t>Améliorations possibles</a:t>
             </a:r>
+          </a:p>
+        </p:txBody>
+      </p:sp>
+      <p:sp>
+        <p:nvSpPr>
+          <p:cNvPr id="4" name="Espace réservé du numéro de diapositive 3"/>
+          <p:cNvSpPr>
+            <a:spLocks noGrp="1"/>
+          </p:cNvSpPr>
+          <p:nvPr>
+            <p:ph type="sldNum" sz="quarter" idx="12"/>
+          </p:nvPr>
+        </p:nvSpPr>
+        <p:spPr/>
+        <p:txBody>
+          <a:bodyPr/>
+          <a:lstStyle/>
+          <a:p>
+            <a:fld id="{2F0F8815-FCC2-4C4E-AEE5-266DE47F5157}" type="slidenum">
+              <a:rPr lang="fr-CH" smtClean="0"/>
+              <a:t>10</a:t>
+            </a:fld>
+            <a:endParaRPr lang="fr-CH"/>
           </a:p>
         </p:txBody>
       </p:sp>
@@ -5668,6 +5839,29 @@
           </a:xfrm>
         </p:spPr>
       </p:pic>
+      <p:sp>
+        <p:nvSpPr>
+          <p:cNvPr id="2" name="Espace réservé du numéro de diapositive 1"/>
+          <p:cNvSpPr>
+            <a:spLocks noGrp="1"/>
+          </p:cNvSpPr>
+          <p:nvPr>
+            <p:ph type="sldNum" sz="quarter" idx="12"/>
+          </p:nvPr>
+        </p:nvSpPr>
+        <p:spPr/>
+        <p:txBody>
+          <a:bodyPr/>
+          <a:lstStyle/>
+          <a:p>
+            <a:fld id="{2F0F8815-FCC2-4C4E-AEE5-266DE47F5157}" type="slidenum">
+              <a:rPr lang="fr-CH" smtClean="0"/>
+              <a:t>11</a:t>
+            </a:fld>
+            <a:endParaRPr lang="fr-CH"/>
+          </a:p>
+        </p:txBody>
+      </p:sp>
     </p:spTree>
     <p:extLst>
       <p:ext uri="{BB962C8B-B14F-4D97-AF65-F5344CB8AC3E}">
@@ -5784,7 +5978,7 @@
         <p:spPr/>
         <p:txBody>
           <a:bodyPr>
-            <a:normAutofit lnSpcReduction="10000"/>
+            <a:normAutofit fontScale="92500" lnSpcReduction="10000"/>
           </a:bodyPr>
           <a:lstStyle/>
           <a:p>
@@ -5834,7 +6028,6 @@
             <a:endParaRPr lang="fr-CH" dirty="0" smtClean="0"/>
           </a:p>
           <a:p>
-            <a:pPr lvl="1"/>
             <a:r>
               <a:rPr lang="fr-CH" dirty="0" smtClean="0"/>
               <a:t>Démo</a:t>
@@ -5877,6 +6070,29 @@
               <a:rPr lang="fr-CH" dirty="0"/>
               <a:t>Sommaire</a:t>
             </a:r>
+          </a:p>
+        </p:txBody>
+      </p:sp>
+      <p:sp>
+        <p:nvSpPr>
+          <p:cNvPr id="4" name="Espace réservé du numéro de diapositive 3"/>
+          <p:cNvSpPr>
+            <a:spLocks noGrp="1"/>
+          </p:cNvSpPr>
+          <p:nvPr>
+            <p:ph type="sldNum" sz="quarter" idx="12"/>
+          </p:nvPr>
+        </p:nvSpPr>
+        <p:spPr/>
+        <p:txBody>
+          <a:bodyPr/>
+          <a:lstStyle/>
+          <a:p>
+            <a:fld id="{2F0F8815-FCC2-4C4E-AEE5-266DE47F5157}" type="slidenum">
+              <a:rPr lang="fr-CH" sz="1400" smtClean="0"/>
+              <a:t>2</a:t>
+            </a:fld>
+            <a:endParaRPr lang="fr-CH" sz="1400" dirty="0"/>
           </a:p>
         </p:txBody>
       </p:sp>
@@ -6002,6 +6218,34 @@
           </a:prstGeom>
         </p:spPr>
       </p:pic>
+      <p:sp>
+        <p:nvSpPr>
+          <p:cNvPr id="5" name="Espace réservé du numéro de diapositive 4"/>
+          <p:cNvSpPr>
+            <a:spLocks noGrp="1"/>
+          </p:cNvSpPr>
+          <p:nvPr>
+            <p:ph type="sldNum" sz="quarter" idx="12"/>
+          </p:nvPr>
+        </p:nvSpPr>
+        <p:spPr>
+          <a:xfrm>
+            <a:off x="6677970" y="6492875"/>
+            <a:ext cx="2133600" cy="365125"/>
+          </a:xfrm>
+        </p:spPr>
+        <p:txBody>
+          <a:bodyPr/>
+          <a:lstStyle/>
+          <a:p>
+            <a:fld id="{2F0F8815-FCC2-4C4E-AEE5-266DE47F5157}" type="slidenum">
+              <a:rPr lang="fr-CH" smtClean="0"/>
+              <a:t>3</a:t>
+            </a:fld>
+            <a:endParaRPr lang="fr-CH" dirty="0"/>
+          </a:p>
+        </p:txBody>
+      </p:sp>
     </p:spTree>
     <p:extLst>
       <p:ext uri="{BB962C8B-B14F-4D97-AF65-F5344CB8AC3E}">
@@ -6073,7 +6317,7 @@
           </p:nvPr>
         </p:nvPicPr>
         <p:blipFill>
-          <a:blip r:embed="rId2">
+          <a:blip r:embed="rId3">
             <a:extLst>
               <a:ext uri="{28A0092B-C50C-407E-A947-70E740481C1C}">
                 <a14:useLocalDpi xmlns:a14="http://schemas.microsoft.com/office/drawing/2010/main" val="0"/>
@@ -6087,7 +6331,7 @@
         </p:blipFill>
         <p:spPr bwMode="auto">
           <a:xfrm>
-            <a:off x="155939" y="1602883"/>
+            <a:off x="155939" y="1624406"/>
             <a:ext cx="8821363" cy="4950324"/>
           </a:xfrm>
           <a:prstGeom prst="rect">
@@ -6110,6 +6354,34 @@
           </a:extLst>
         </p:spPr>
       </p:pic>
+      <p:sp>
+        <p:nvSpPr>
+          <p:cNvPr id="2" name="Espace réservé du numéro de diapositive 1"/>
+          <p:cNvSpPr>
+            <a:spLocks noGrp="1"/>
+          </p:cNvSpPr>
+          <p:nvPr>
+            <p:ph type="sldNum" sz="quarter" idx="12"/>
+          </p:nvPr>
+        </p:nvSpPr>
+        <p:spPr>
+          <a:xfrm>
+            <a:off x="6732240" y="6556636"/>
+            <a:ext cx="2133600" cy="365125"/>
+          </a:xfrm>
+        </p:spPr>
+        <p:txBody>
+          <a:bodyPr/>
+          <a:lstStyle/>
+          <a:p>
+            <a:fld id="{2F0F8815-FCC2-4C4E-AEE5-266DE47F5157}" type="slidenum">
+              <a:rPr lang="fr-CH" smtClean="0"/>
+              <a:t>4</a:t>
+            </a:fld>
+            <a:endParaRPr lang="fr-CH" dirty="0"/>
+          </a:p>
+        </p:txBody>
+      </p:sp>
     </p:spTree>
     <p:extLst>
       <p:ext uri="{BB962C8B-B14F-4D97-AF65-F5344CB8AC3E}">
@@ -6217,6 +6489,29 @@
           </a:prstGeom>
         </p:spPr>
       </p:pic>
+      <p:sp>
+        <p:nvSpPr>
+          <p:cNvPr id="6" name="Espace réservé du numéro de diapositive 5"/>
+          <p:cNvSpPr>
+            <a:spLocks noGrp="1"/>
+          </p:cNvSpPr>
+          <p:nvPr>
+            <p:ph type="sldNum" sz="quarter" idx="12"/>
+          </p:nvPr>
+        </p:nvSpPr>
+        <p:spPr/>
+        <p:txBody>
+          <a:bodyPr/>
+          <a:lstStyle/>
+          <a:p>
+            <a:fld id="{2F0F8815-FCC2-4C4E-AEE5-266DE47F5157}" type="slidenum">
+              <a:rPr lang="fr-CH" smtClean="0"/>
+              <a:t>5</a:t>
+            </a:fld>
+            <a:endParaRPr lang="fr-CH"/>
+          </a:p>
+        </p:txBody>
+      </p:sp>
     </p:spTree>
     <p:extLst>
       <p:ext uri="{BB962C8B-B14F-4D97-AF65-F5344CB8AC3E}">
@@ -6357,6 +6652,29 @@
           </a:p>
         </p:txBody>
       </p:sp>
+      <p:sp>
+        <p:nvSpPr>
+          <p:cNvPr id="6" name="Espace réservé du numéro de diapositive 5"/>
+          <p:cNvSpPr>
+            <a:spLocks noGrp="1"/>
+          </p:cNvSpPr>
+          <p:nvPr>
+            <p:ph type="sldNum" sz="quarter" idx="12"/>
+          </p:nvPr>
+        </p:nvSpPr>
+        <p:spPr/>
+        <p:txBody>
+          <a:bodyPr/>
+          <a:lstStyle/>
+          <a:p>
+            <a:fld id="{2F0F8815-FCC2-4C4E-AEE5-266DE47F5157}" type="slidenum">
+              <a:rPr lang="fr-CH" smtClean="0"/>
+              <a:t>6</a:t>
+            </a:fld>
+            <a:endParaRPr lang="fr-CH"/>
+          </a:p>
+        </p:txBody>
+      </p:sp>
     </p:spTree>
     <p:extLst>
       <p:ext uri="{BB962C8B-B14F-4D97-AF65-F5344CB8AC3E}">
@@ -6476,6 +6794,29 @@
           </a:prstGeom>
         </p:spPr>
       </p:pic>
+      <p:sp>
+        <p:nvSpPr>
+          <p:cNvPr id="5" name="Espace réservé du numéro de diapositive 4"/>
+          <p:cNvSpPr>
+            <a:spLocks noGrp="1"/>
+          </p:cNvSpPr>
+          <p:nvPr>
+            <p:ph type="sldNum" sz="quarter" idx="12"/>
+          </p:nvPr>
+        </p:nvSpPr>
+        <p:spPr/>
+        <p:txBody>
+          <a:bodyPr/>
+          <a:lstStyle/>
+          <a:p>
+            <a:fld id="{2F0F8815-FCC2-4C4E-AEE5-266DE47F5157}" type="slidenum">
+              <a:rPr lang="fr-CH" smtClean="0"/>
+              <a:t>7</a:t>
+            </a:fld>
+            <a:endParaRPr lang="fr-CH"/>
+          </a:p>
+        </p:txBody>
+      </p:sp>
     </p:spTree>
     <p:extLst>
       <p:ext uri="{BB962C8B-B14F-4D97-AF65-F5344CB8AC3E}">
@@ -6560,6 +6901,29 @@
               <a:rPr lang="fr-CH" dirty="0"/>
               <a:t>Démonstration</a:t>
             </a:r>
+          </a:p>
+        </p:txBody>
+      </p:sp>
+      <p:sp>
+        <p:nvSpPr>
+          <p:cNvPr id="6" name="Espace réservé du numéro de diapositive 5"/>
+          <p:cNvSpPr>
+            <a:spLocks noGrp="1"/>
+          </p:cNvSpPr>
+          <p:nvPr>
+            <p:ph type="sldNum" sz="quarter" idx="12"/>
+          </p:nvPr>
+        </p:nvSpPr>
+        <p:spPr/>
+        <p:txBody>
+          <a:bodyPr/>
+          <a:lstStyle/>
+          <a:p>
+            <a:fld id="{2F0F8815-FCC2-4C4E-AEE5-266DE47F5157}" type="slidenum">
+              <a:rPr lang="fr-CH" smtClean="0"/>
+              <a:t>8</a:t>
+            </a:fld>
+            <a:endParaRPr lang="fr-CH"/>
           </a:p>
         </p:txBody>
       </p:sp>
@@ -6905,6 +7269,29 @@
           </a:graphicData>
         </a:graphic>
       </p:graphicFrame>
+      <p:sp>
+        <p:nvSpPr>
+          <p:cNvPr id="2" name="Espace réservé du numéro de diapositive 1"/>
+          <p:cNvSpPr>
+            <a:spLocks noGrp="1"/>
+          </p:cNvSpPr>
+          <p:nvPr>
+            <p:ph type="sldNum" sz="quarter" idx="12"/>
+          </p:nvPr>
+        </p:nvSpPr>
+        <p:spPr/>
+        <p:txBody>
+          <a:bodyPr/>
+          <a:lstStyle/>
+          <a:p>
+            <a:fld id="{2F0F8815-FCC2-4C4E-AEE5-266DE47F5157}" type="slidenum">
+              <a:rPr lang="fr-CH" smtClean="0"/>
+              <a:t>9</a:t>
+            </a:fld>
+            <a:endParaRPr lang="fr-CH"/>
+          </a:p>
+        </p:txBody>
+      </p:sp>
     </p:spTree>
     <p:extLst>
       <p:ext uri="{BB962C8B-B14F-4D97-AF65-F5344CB8AC3E}">

--- a/Admimistatif/Presentation.pptx
+++ b/Admimistatif/Presentation.pptx
@@ -628,7 +628,48 @@
             </a:r>
             <a:r>
               <a:rPr lang="fr-CH" baseline="0" dirty="0"/>
-              <a:t> en 2d</a:t>
+              <a:t> en </a:t>
+            </a:r>
+            <a:r>
+              <a:rPr lang="fr-CH" baseline="0" dirty="0" smtClean="0"/>
+              <a:t>2d</a:t>
+            </a:r>
+          </a:p>
+          <a:p>
+            <a:endParaRPr lang="fr-CH" baseline="0" dirty="0" smtClean="0"/>
+          </a:p>
+          <a:p>
+            <a:r>
+              <a:rPr lang="fr-CH" baseline="0" dirty="0" smtClean="0"/>
+              <a:t>LIBGDX:=&gt; cross </a:t>
+            </a:r>
+            <a:r>
+              <a:rPr lang="fr-CH" baseline="0" dirty="0" err="1" smtClean="0"/>
+              <a:t>platform</a:t>
+            </a:r>
+            <a:r>
+              <a:rPr lang="fr-CH" baseline="0" dirty="0" smtClean="0"/>
+              <a:t> </a:t>
+            </a:r>
+          </a:p>
+          <a:p>
+            <a:r>
+              <a:rPr lang="fr-CH" baseline="0" dirty="0" smtClean="0"/>
+              <a:t>	open source</a:t>
+            </a:r>
+          </a:p>
+          <a:p>
+            <a:r>
+              <a:rPr lang="fr-CH" baseline="0" dirty="0" smtClean="0"/>
+              <a:t>	Utile pour nous car intègre box2d et un </a:t>
+            </a:r>
+            <a:r>
+              <a:rPr lang="fr-CH" baseline="0" smtClean="0"/>
+              <a:t>moteur graphique </a:t>
+            </a:r>
+            <a:r>
+              <a:rPr lang="fr-CH" baseline="0" dirty="0" smtClean="0"/>
+              <a:t>	</a:t>
             </a:r>
             <a:endParaRPr lang="fr-CH" dirty="0"/>
           </a:p>
